--- a/Reuse_Water/240214_NAWI定例_kuma.pptx
+++ b/Reuse_Water/240214_NAWI定例_kuma.pptx
@@ -5,7 +5,7 @@
     <p:sldMasterId id="2147483756" r:id="rId1"/>
   </p:sldMasterIdLst>
   <p:notesMasterIdLst>
-    <p:notesMasterId r:id="rId15"/>
+    <p:notesMasterId r:id="rId17"/>
   </p:notesMasterIdLst>
   <p:sldIdLst>
     <p:sldId id="269" r:id="rId2"/>
@@ -20,7 +20,9 @@
     <p:sldId id="605" r:id="rId11"/>
     <p:sldId id="607" r:id="rId12"/>
     <p:sldId id="533" r:id="rId13"/>
-    <p:sldId id="286" r:id="rId14"/>
+    <p:sldId id="666" r:id="rId14"/>
+    <p:sldId id="667" r:id="rId15"/>
+    <p:sldId id="286" r:id="rId16"/>
   </p:sldIdLst>
   <p:sldSz cx="12192000" cy="6858000"/>
   <p:notesSz cx="6858000" cy="9144000"/>
@@ -212,7 +214,7 @@
           <a:p>
             <a:fld id="{82150B36-03E6-4D3A-8098-12EB1C30C067}" type="datetimeFigureOut">
               <a:rPr kumimoji="1" lang="ja-JP" altLang="en-US" smtClean="0"/>
-              <a:t>2023/11/27</a:t>
+              <a:t>2024/2/13</a:t>
             </a:fld>
             <a:endParaRPr kumimoji="1" lang="ja-JP" altLang="en-US"/>
           </a:p>
@@ -684,6 +686,222 @@
   <p:cSld>
     <p:spTree>
       <p:nvGrpSpPr>
+        <p:cNvPr id="1" name="">
+          <a:extLst>
+            <a:ext uri="{FF2B5EF4-FFF2-40B4-BE49-F238E27FC236}">
+              <a16:creationId xmlns:a16="http://schemas.microsoft.com/office/drawing/2014/main" id="{F8BA37DF-4E47-4B0C-02E4-39CD04557C36}"/>
+            </a:ext>
+          </a:extLst>
+        </p:cNvPr>
+        <p:cNvGrpSpPr/>
+        <p:nvPr/>
+      </p:nvGrpSpPr>
+      <p:grpSpPr>
+        <a:xfrm>
+          <a:off x="0" y="0"/>
+          <a:ext cx="0" cy="0"/>
+          <a:chOff x="0" y="0"/>
+          <a:chExt cx="0" cy="0"/>
+        </a:xfrm>
+      </p:grpSpPr>
+      <p:sp>
+        <p:nvSpPr>
+          <p:cNvPr id="2" name="スライド イメージ プレースホルダー 1">
+            <a:extLst>
+              <a:ext uri="{FF2B5EF4-FFF2-40B4-BE49-F238E27FC236}">
+                <a16:creationId xmlns:a16="http://schemas.microsoft.com/office/drawing/2014/main" id="{2D373751-9C07-BBD3-25E9-C8CAFFE3CA09}"/>
+              </a:ext>
+            </a:extLst>
+          </p:cNvPr>
+          <p:cNvSpPr>
+            <a:spLocks noGrp="1" noRot="1" noChangeAspect="1"/>
+          </p:cNvSpPr>
+          <p:nvPr>
+            <p:ph type="sldImg"/>
+          </p:nvPr>
+        </p:nvSpPr>
+        <p:spPr/>
+      </p:sp>
+      <p:sp>
+        <p:nvSpPr>
+          <p:cNvPr id="3" name="ノート プレースホルダー 2">
+            <a:extLst>
+              <a:ext uri="{FF2B5EF4-FFF2-40B4-BE49-F238E27FC236}">
+                <a16:creationId xmlns:a16="http://schemas.microsoft.com/office/drawing/2014/main" id="{6EE3ED21-7E43-5260-B41D-1343DFB097F7}"/>
+              </a:ext>
+            </a:extLst>
+          </p:cNvPr>
+          <p:cNvSpPr>
+            <a:spLocks noGrp="1"/>
+          </p:cNvSpPr>
+          <p:nvPr>
+            <p:ph type="body" idx="1"/>
+          </p:nvPr>
+        </p:nvSpPr>
+        <p:spPr/>
+        <p:txBody>
+          <a:bodyPr/>
+          <a:lstStyle/>
+          <a:p>
+            <a:endParaRPr kumimoji="1" lang="ja-JP" altLang="en-US" dirty="0"/>
+          </a:p>
+        </p:txBody>
+      </p:sp>
+      <p:sp>
+        <p:nvSpPr>
+          <p:cNvPr id="4" name="スライド番号プレースホルダー 3">
+            <a:extLst>
+              <a:ext uri="{FF2B5EF4-FFF2-40B4-BE49-F238E27FC236}">
+                <a16:creationId xmlns:a16="http://schemas.microsoft.com/office/drawing/2014/main" id="{AE15997D-7959-3AF4-EA5B-3F28AC421BFC}"/>
+              </a:ext>
+            </a:extLst>
+          </p:cNvPr>
+          <p:cNvSpPr>
+            <a:spLocks noGrp="1"/>
+          </p:cNvSpPr>
+          <p:nvPr>
+            <p:ph type="sldNum" sz="quarter" idx="5"/>
+          </p:nvPr>
+        </p:nvSpPr>
+        <p:spPr/>
+        <p:txBody>
+          <a:bodyPr/>
+          <a:lstStyle/>
+          <a:p>
+            <a:fld id="{234BF75D-FAA7-4C74-927E-D481AAC481B6}" type="slidenum">
+              <a:rPr kumimoji="1" lang="ja-JP" altLang="en-US" smtClean="0"/>
+              <a:t>13</a:t>
+            </a:fld>
+            <a:endParaRPr kumimoji="1" lang="ja-JP" altLang="en-US"/>
+          </a:p>
+        </p:txBody>
+      </p:sp>
+    </p:spTree>
+    <p:extLst>
+      <p:ext uri="{BB962C8B-B14F-4D97-AF65-F5344CB8AC3E}">
+        <p14:creationId xmlns:p14="http://schemas.microsoft.com/office/powerpoint/2010/main" val="355094821"/>
+      </p:ext>
+    </p:extLst>
+  </p:cSld>
+  <p:clrMapOvr>
+    <a:masterClrMapping/>
+  </p:clrMapOvr>
+</p:notes>
+</file>
+
+<file path=ppt/notesSlides/notesSlide12.xml><?xml version="1.0" encoding="utf-8"?>
+<p:notes xmlns:a="http://schemas.openxmlformats.org/drawingml/2006/main" xmlns:r="http://schemas.openxmlformats.org/officeDocument/2006/relationships" xmlns:p="http://schemas.openxmlformats.org/presentationml/2006/main">
+  <p:cSld>
+    <p:spTree>
+      <p:nvGrpSpPr>
+        <p:cNvPr id="1" name="">
+          <a:extLst>
+            <a:ext uri="{FF2B5EF4-FFF2-40B4-BE49-F238E27FC236}">
+              <a16:creationId xmlns:a16="http://schemas.microsoft.com/office/drawing/2014/main" id="{880375FD-3C75-BBB6-24E0-EF893631AD91}"/>
+            </a:ext>
+          </a:extLst>
+        </p:cNvPr>
+        <p:cNvGrpSpPr/>
+        <p:nvPr/>
+      </p:nvGrpSpPr>
+      <p:grpSpPr>
+        <a:xfrm>
+          <a:off x="0" y="0"/>
+          <a:ext cx="0" cy="0"/>
+          <a:chOff x="0" y="0"/>
+          <a:chExt cx="0" cy="0"/>
+        </a:xfrm>
+      </p:grpSpPr>
+      <p:sp>
+        <p:nvSpPr>
+          <p:cNvPr id="2" name="スライド イメージ プレースホルダー 1">
+            <a:extLst>
+              <a:ext uri="{FF2B5EF4-FFF2-40B4-BE49-F238E27FC236}">
+                <a16:creationId xmlns:a16="http://schemas.microsoft.com/office/drawing/2014/main" id="{88EE858C-9BF9-58AF-C505-0299E776A4B8}"/>
+              </a:ext>
+            </a:extLst>
+          </p:cNvPr>
+          <p:cNvSpPr>
+            <a:spLocks noGrp="1" noRot="1" noChangeAspect="1"/>
+          </p:cNvSpPr>
+          <p:nvPr>
+            <p:ph type="sldImg"/>
+          </p:nvPr>
+        </p:nvSpPr>
+        <p:spPr/>
+      </p:sp>
+      <p:sp>
+        <p:nvSpPr>
+          <p:cNvPr id="3" name="ノート プレースホルダー 2">
+            <a:extLst>
+              <a:ext uri="{FF2B5EF4-FFF2-40B4-BE49-F238E27FC236}">
+                <a16:creationId xmlns:a16="http://schemas.microsoft.com/office/drawing/2014/main" id="{C559D945-B5B2-4188-E2C2-CCED2F6C21B9}"/>
+              </a:ext>
+            </a:extLst>
+          </p:cNvPr>
+          <p:cNvSpPr>
+            <a:spLocks noGrp="1"/>
+          </p:cNvSpPr>
+          <p:nvPr>
+            <p:ph type="body" idx="1"/>
+          </p:nvPr>
+        </p:nvSpPr>
+        <p:spPr/>
+        <p:txBody>
+          <a:bodyPr/>
+          <a:lstStyle/>
+          <a:p>
+            <a:endParaRPr kumimoji="1" lang="ja-JP" altLang="en-US" dirty="0"/>
+          </a:p>
+        </p:txBody>
+      </p:sp>
+      <p:sp>
+        <p:nvSpPr>
+          <p:cNvPr id="4" name="スライド番号プレースホルダー 3">
+            <a:extLst>
+              <a:ext uri="{FF2B5EF4-FFF2-40B4-BE49-F238E27FC236}">
+                <a16:creationId xmlns:a16="http://schemas.microsoft.com/office/drawing/2014/main" id="{5534C1AC-70DD-6267-9D9A-15271D2837C9}"/>
+              </a:ext>
+            </a:extLst>
+          </p:cNvPr>
+          <p:cNvSpPr>
+            <a:spLocks noGrp="1"/>
+          </p:cNvSpPr>
+          <p:nvPr>
+            <p:ph type="sldNum" sz="quarter" idx="5"/>
+          </p:nvPr>
+        </p:nvSpPr>
+        <p:spPr/>
+        <p:txBody>
+          <a:bodyPr/>
+          <a:lstStyle/>
+          <a:p>
+            <a:fld id="{234BF75D-FAA7-4C74-927E-D481AAC481B6}" type="slidenum">
+              <a:rPr kumimoji="1" lang="ja-JP" altLang="en-US" smtClean="0"/>
+              <a:t>14</a:t>
+            </a:fld>
+            <a:endParaRPr kumimoji="1" lang="ja-JP" altLang="en-US"/>
+          </a:p>
+        </p:txBody>
+      </p:sp>
+    </p:spTree>
+    <p:extLst>
+      <p:ext uri="{BB962C8B-B14F-4D97-AF65-F5344CB8AC3E}">
+        <p14:creationId xmlns:p14="http://schemas.microsoft.com/office/powerpoint/2010/main" val="1568079321"/>
+      </p:ext>
+    </p:extLst>
+  </p:cSld>
+  <p:clrMapOvr>
+    <a:masterClrMapping/>
+  </p:clrMapOvr>
+</p:notes>
+</file>
+
+<file path=ppt/notesSlides/notesSlide13.xml><?xml version="1.0" encoding="utf-8"?>
+<p:notes xmlns:a="http://schemas.openxmlformats.org/drawingml/2006/main" xmlns:r="http://schemas.openxmlformats.org/officeDocument/2006/relationships" xmlns:p="http://schemas.openxmlformats.org/presentationml/2006/main">
+  <p:cSld>
+    <p:spTree>
+      <p:nvGrpSpPr>
         <p:cNvPr id="1" name=""/>
         <p:cNvGrpSpPr/>
         <p:nvPr/>
@@ -744,7 +962,7 @@
           <a:p>
             <a:fld id="{234BF75D-FAA7-4C74-927E-D481AAC481B6}" type="slidenum">
               <a:rPr kumimoji="1" lang="ja-JP" altLang="en-US" smtClean="0"/>
-              <a:t>13</a:t>
+              <a:t>15</a:t>
             </a:fld>
             <a:endParaRPr kumimoji="1" lang="ja-JP" altLang="en-US"/>
           </a:p>
@@ -9776,10 +9994,9 @@
           <a:lstStyle/>
           <a:p>
             <a:r>
-              <a:rPr lang="en-US" altLang="ja-JP" sz="2800" dirty="0"/>
-              <a:t>ROCO System</a:t>
-            </a:r>
-            <a:endParaRPr lang="ja-JP" altLang="en-US" sz="2800" dirty="0"/>
+              <a:rPr lang="ja-JP" altLang="en-US" sz="2800" dirty="0"/>
+              <a:t>定例報告</a:t>
+            </a:r>
           </a:p>
         </p:txBody>
       </p:sp>
@@ -9811,11 +10028,7 @@
           <a:p>
             <a:r>
               <a:rPr lang="en-US" altLang="ja-JP" dirty="0"/>
-              <a:t>W. Kumagai, H. Soya, R. </a:t>
-            </a:r>
-            <a:r>
-              <a:rPr lang="en-US" altLang="ja-JP" dirty="0" err="1"/>
-              <a:t>Imoto</a:t>
+              <a:t>W. Kumagai</a:t>
             </a:r>
             <a:endParaRPr lang="ja-JP" altLang="en-US" dirty="0"/>
           </a:p>
@@ -9878,7 +10091,7 @@
           <a:p>
             <a:r>
               <a:rPr lang="en-US" altLang="ja-JP" dirty="0"/>
-              <a:t>November 27th, 2023</a:t>
+              <a:t>Feb 14th, 2024</a:t>
             </a:r>
             <a:endParaRPr lang="ja-JP" altLang="en-US" dirty="0"/>
           </a:p>
@@ -10083,7 +10296,7 @@
                   <a:schemeClr val="bg1"/>
                 </a:solidFill>
               </a:rPr>
-              <a:t>SGDC</a:t>
+              <a:t>NAWI</a:t>
             </a:r>
             <a:endParaRPr lang="ja-JP" altLang="en-US" sz="2400" dirty="0">
               <a:solidFill>
@@ -14915,6 +15128,4704 @@
   <p:cSld>
     <p:spTree>
       <p:nvGrpSpPr>
+        <p:cNvPr id="1" name="">
+          <a:extLst>
+            <a:ext uri="{FF2B5EF4-FFF2-40B4-BE49-F238E27FC236}">
+              <a16:creationId xmlns:a16="http://schemas.microsoft.com/office/drawing/2014/main" id="{EA0A297E-FEEC-73A2-9785-A9AE6DD78BC0}"/>
+            </a:ext>
+          </a:extLst>
+        </p:cNvPr>
+        <p:cNvGrpSpPr/>
+        <p:nvPr/>
+      </p:nvGrpSpPr>
+      <p:grpSpPr>
+        <a:xfrm>
+          <a:off x="0" y="0"/>
+          <a:ext cx="0" cy="0"/>
+          <a:chOff x="0" y="0"/>
+          <a:chExt cx="0" cy="0"/>
+        </a:xfrm>
+      </p:grpSpPr>
+      <p:sp>
+        <p:nvSpPr>
+          <p:cNvPr id="70" name="正方形/長方形 69">
+            <a:extLst>
+              <a:ext uri="{FF2B5EF4-FFF2-40B4-BE49-F238E27FC236}">
+                <a16:creationId xmlns:a16="http://schemas.microsoft.com/office/drawing/2014/main" id="{5D74C595-4443-109F-5085-D29E1B8D48D4}"/>
+              </a:ext>
+            </a:extLst>
+          </p:cNvPr>
+          <p:cNvSpPr/>
+          <p:nvPr/>
+        </p:nvSpPr>
+        <p:spPr>
+          <a:xfrm>
+            <a:off x="3423802" y="2355157"/>
+            <a:ext cx="5894369" cy="3663088"/>
+          </a:xfrm>
+          <a:prstGeom prst="rect">
+            <a:avLst/>
+          </a:prstGeom>
+          <a:solidFill>
+            <a:schemeClr val="accent6">
+              <a:lumMod val="20000"/>
+              <a:lumOff val="80000"/>
+            </a:schemeClr>
+          </a:solidFill>
+          <a:ln>
+            <a:noFill/>
+            <a:prstDash val="dash"/>
+          </a:ln>
+        </p:spPr>
+        <p:style>
+          <a:lnRef idx="2">
+            <a:schemeClr val="accent1">
+              <a:shade val="50000"/>
+            </a:schemeClr>
+          </a:lnRef>
+          <a:fillRef idx="1">
+            <a:schemeClr val="accent1"/>
+          </a:fillRef>
+          <a:effectRef idx="0">
+            <a:schemeClr val="accent1"/>
+          </a:effectRef>
+          <a:fontRef idx="minor">
+            <a:schemeClr val="lt1"/>
+          </a:fontRef>
+        </p:style>
+        <p:txBody>
+          <a:bodyPr rtlCol="0" anchor="ctr"/>
+          <a:lstStyle/>
+          <a:p>
+            <a:pPr algn="ctr"/>
+            <a:endParaRPr kumimoji="1" lang="ja-JP" altLang="en-US">
+              <a:solidFill>
+                <a:schemeClr val="tx1"/>
+              </a:solidFill>
+            </a:endParaRPr>
+          </a:p>
+        </p:txBody>
+      </p:sp>
+      <p:sp>
+        <p:nvSpPr>
+          <p:cNvPr id="35" name="フローチャート: 処理 34">
+            <a:extLst>
+              <a:ext uri="{FF2B5EF4-FFF2-40B4-BE49-F238E27FC236}">
+                <a16:creationId xmlns:a16="http://schemas.microsoft.com/office/drawing/2014/main" id="{16A8195A-4260-31A8-832D-E1B9F6CFE6C2}"/>
+              </a:ext>
+            </a:extLst>
+          </p:cNvPr>
+          <p:cNvSpPr/>
+          <p:nvPr/>
+        </p:nvSpPr>
+        <p:spPr>
+          <a:xfrm>
+            <a:off x="4572069" y="2900652"/>
+            <a:ext cx="2334194" cy="1338901"/>
+          </a:xfrm>
+          <a:prstGeom prst="flowChartProcess">
+            <a:avLst/>
+          </a:prstGeom>
+          <a:solidFill>
+            <a:schemeClr val="bg1"/>
+          </a:solidFill>
+        </p:spPr>
+        <p:style>
+          <a:lnRef idx="2">
+            <a:schemeClr val="accent1">
+              <a:shade val="50000"/>
+            </a:schemeClr>
+          </a:lnRef>
+          <a:fillRef idx="1">
+            <a:schemeClr val="accent1"/>
+          </a:fillRef>
+          <a:effectRef idx="0">
+            <a:schemeClr val="accent1"/>
+          </a:effectRef>
+          <a:fontRef idx="minor">
+            <a:schemeClr val="lt1"/>
+          </a:fontRef>
+        </p:style>
+        <p:txBody>
+          <a:bodyPr rtlCol="0" anchor="ctr"/>
+          <a:lstStyle/>
+          <a:p>
+            <a:pPr algn="ctr"/>
+            <a:endParaRPr kumimoji="1" lang="ja-JP" altLang="en-US">
+              <a:solidFill>
+                <a:schemeClr val="tx1"/>
+              </a:solidFill>
+            </a:endParaRPr>
+          </a:p>
+        </p:txBody>
+      </p:sp>
+      <p:sp>
+        <p:nvSpPr>
+          <p:cNvPr id="2" name="タイトル 1">
+            <a:extLst>
+              <a:ext uri="{FF2B5EF4-FFF2-40B4-BE49-F238E27FC236}">
+                <a16:creationId xmlns:a16="http://schemas.microsoft.com/office/drawing/2014/main" id="{BAC9214D-6DA8-AC92-316B-85583CCEFE88}"/>
+              </a:ext>
+            </a:extLst>
+          </p:cNvPr>
+          <p:cNvSpPr>
+            <a:spLocks noGrp="1"/>
+          </p:cNvSpPr>
+          <p:nvPr>
+            <p:ph type="title"/>
+          </p:nvPr>
+        </p:nvSpPr>
+        <p:spPr>
+          <a:xfrm>
+            <a:off x="517055" y="241034"/>
+            <a:ext cx="11400125" cy="518094"/>
+          </a:xfrm>
+        </p:spPr>
+        <p:txBody>
+          <a:bodyPr/>
+          <a:lstStyle/>
+          <a:p>
+            <a:r>
+              <a:rPr lang="ja-JP" altLang="en-US" dirty="0"/>
+              <a:t>現システム構成</a:t>
+            </a:r>
+            <a:endParaRPr lang="en-US" dirty="0"/>
+          </a:p>
+        </p:txBody>
+      </p:sp>
+      <p:sp>
+        <p:nvSpPr>
+          <p:cNvPr id="3" name="スライド番号プレースホルダー 2">
+            <a:extLst>
+              <a:ext uri="{FF2B5EF4-FFF2-40B4-BE49-F238E27FC236}">
+                <a16:creationId xmlns:a16="http://schemas.microsoft.com/office/drawing/2014/main" id="{0925265B-024E-BFA8-0D6D-94F4AE11C599}"/>
+              </a:ext>
+            </a:extLst>
+          </p:cNvPr>
+          <p:cNvSpPr>
+            <a:spLocks noGrp="1"/>
+          </p:cNvSpPr>
+          <p:nvPr>
+            <p:ph type="sldNum" sz="quarter" idx="10"/>
+          </p:nvPr>
+        </p:nvSpPr>
+        <p:spPr/>
+        <p:txBody>
+          <a:bodyPr/>
+          <a:lstStyle/>
+          <a:p>
+            <a:fld id="{584EAAFE-CFE5-40AD-8E95-5BFF290DC5CF}" type="slidenum">
+              <a:rPr kumimoji="1" lang="ja-JP" altLang="en-US" smtClean="0"/>
+              <a:pPr/>
+              <a:t>13</a:t>
+            </a:fld>
+            <a:endParaRPr kumimoji="1" lang="ja-JP" altLang="en-US"/>
+          </a:p>
+        </p:txBody>
+      </p:sp>
+      <p:sp>
+        <p:nvSpPr>
+          <p:cNvPr id="8" name="テキスト ボックス 7">
+            <a:extLst>
+              <a:ext uri="{FF2B5EF4-FFF2-40B4-BE49-F238E27FC236}">
+                <a16:creationId xmlns:a16="http://schemas.microsoft.com/office/drawing/2014/main" id="{3B85ED81-2993-67EC-329F-227ED8D29419}"/>
+              </a:ext>
+            </a:extLst>
+          </p:cNvPr>
+          <p:cNvSpPr txBox="1"/>
+          <p:nvPr/>
+        </p:nvSpPr>
+        <p:spPr>
+          <a:xfrm>
+            <a:off x="571983" y="-20412"/>
+            <a:ext cx="4576959" cy="338554"/>
+          </a:xfrm>
+          <a:prstGeom prst="rect">
+            <a:avLst/>
+          </a:prstGeom>
+          <a:noFill/>
+        </p:spPr>
+        <p:txBody>
+          <a:bodyPr wrap="square" rtlCol="0">
+            <a:spAutoFit/>
+          </a:bodyPr>
+          <a:lstStyle/>
+          <a:p>
+            <a:r>
+              <a:rPr lang="en-US" altLang="ja-JP" sz="1600" b="1" dirty="0">
+                <a:solidFill>
+                  <a:schemeClr val="bg1"/>
+                </a:solidFill>
+              </a:rPr>
+              <a:t>3. On-site Demonstration System</a:t>
+            </a:r>
+            <a:endParaRPr kumimoji="1" lang="ja-JP" altLang="en-US" sz="1600" b="1" dirty="0">
+              <a:solidFill>
+                <a:schemeClr val="bg1"/>
+              </a:solidFill>
+            </a:endParaRPr>
+          </a:p>
+        </p:txBody>
+      </p:sp>
+      <p:sp>
+        <p:nvSpPr>
+          <p:cNvPr id="9" name="フローチャート: 磁気ディスク 8">
+            <a:extLst>
+              <a:ext uri="{FF2B5EF4-FFF2-40B4-BE49-F238E27FC236}">
+                <a16:creationId xmlns:a16="http://schemas.microsoft.com/office/drawing/2014/main" id="{8EDFB446-41B1-5ADB-C535-9A381B4E67EA}"/>
+              </a:ext>
+            </a:extLst>
+          </p:cNvPr>
+          <p:cNvSpPr/>
+          <p:nvPr/>
+        </p:nvSpPr>
+        <p:spPr>
+          <a:xfrm>
+            <a:off x="1272356" y="4132809"/>
+            <a:ext cx="702129" cy="518094"/>
+          </a:xfrm>
+          <a:prstGeom prst="flowChartMagneticDisk">
+            <a:avLst/>
+          </a:prstGeom>
+          <a:solidFill>
+            <a:schemeClr val="bg1"/>
+          </a:solidFill>
+        </p:spPr>
+        <p:style>
+          <a:lnRef idx="2">
+            <a:schemeClr val="accent1">
+              <a:shade val="50000"/>
+            </a:schemeClr>
+          </a:lnRef>
+          <a:fillRef idx="1">
+            <a:schemeClr val="accent1"/>
+          </a:fillRef>
+          <a:effectRef idx="0">
+            <a:schemeClr val="accent1"/>
+          </a:effectRef>
+          <a:fontRef idx="minor">
+            <a:schemeClr val="lt1"/>
+          </a:fontRef>
+        </p:style>
+        <p:txBody>
+          <a:bodyPr rtlCol="0" anchor="ctr"/>
+          <a:lstStyle/>
+          <a:p>
+            <a:pPr algn="ctr"/>
+            <a:r>
+              <a:rPr kumimoji="1" lang="en-US" altLang="ja-JP" dirty="0">
+                <a:solidFill>
+                  <a:schemeClr val="tx1"/>
+                </a:solidFill>
+              </a:rPr>
+              <a:t>DB</a:t>
+            </a:r>
+            <a:endParaRPr kumimoji="1" lang="ja-JP" altLang="en-US" dirty="0">
+              <a:solidFill>
+                <a:schemeClr val="tx1"/>
+              </a:solidFill>
+            </a:endParaRPr>
+          </a:p>
+        </p:txBody>
+      </p:sp>
+      <p:sp>
+        <p:nvSpPr>
+          <p:cNvPr id="10" name="正方形/長方形 9">
+            <a:extLst>
+              <a:ext uri="{FF2B5EF4-FFF2-40B4-BE49-F238E27FC236}">
+                <a16:creationId xmlns:a16="http://schemas.microsoft.com/office/drawing/2014/main" id="{5D1A4647-3DEF-008A-A273-16662ADBC9CE}"/>
+              </a:ext>
+            </a:extLst>
+          </p:cNvPr>
+          <p:cNvSpPr/>
+          <p:nvPr/>
+        </p:nvSpPr>
+        <p:spPr>
+          <a:xfrm>
+            <a:off x="223883" y="2900652"/>
+            <a:ext cx="2848853" cy="724296"/>
+          </a:xfrm>
+          <a:prstGeom prst="rect">
+            <a:avLst/>
+          </a:prstGeom>
+          <a:noFill/>
+          <a:ln>
+            <a:solidFill>
+              <a:schemeClr val="accent4"/>
+            </a:solidFill>
+            <a:prstDash val="dash"/>
+          </a:ln>
+        </p:spPr>
+        <p:style>
+          <a:lnRef idx="2">
+            <a:schemeClr val="accent1">
+              <a:shade val="50000"/>
+            </a:schemeClr>
+          </a:lnRef>
+          <a:fillRef idx="1">
+            <a:schemeClr val="accent1"/>
+          </a:fillRef>
+          <a:effectRef idx="0">
+            <a:schemeClr val="accent1"/>
+          </a:effectRef>
+          <a:fontRef idx="minor">
+            <a:schemeClr val="lt1"/>
+          </a:fontRef>
+        </p:style>
+        <p:txBody>
+          <a:bodyPr rtlCol="0" anchor="ctr"/>
+          <a:lstStyle/>
+          <a:p>
+            <a:pPr algn="ctr"/>
+            <a:endParaRPr kumimoji="1" lang="ja-JP" altLang="en-US">
+              <a:solidFill>
+                <a:schemeClr val="tx1"/>
+              </a:solidFill>
+            </a:endParaRPr>
+          </a:p>
+        </p:txBody>
+      </p:sp>
+      <p:sp>
+        <p:nvSpPr>
+          <p:cNvPr id="16" name="テキスト ボックス 15">
+            <a:extLst>
+              <a:ext uri="{FF2B5EF4-FFF2-40B4-BE49-F238E27FC236}">
+                <a16:creationId xmlns:a16="http://schemas.microsoft.com/office/drawing/2014/main" id="{4719E804-4BB1-263A-BD7F-58F2321EEF09}"/>
+              </a:ext>
+            </a:extLst>
+          </p:cNvPr>
+          <p:cNvSpPr txBox="1"/>
+          <p:nvPr/>
+        </p:nvSpPr>
+        <p:spPr>
+          <a:xfrm>
+            <a:off x="1892204" y="2559266"/>
+            <a:ext cx="1275059" cy="307777"/>
+          </a:xfrm>
+          <a:prstGeom prst="rect">
+            <a:avLst/>
+          </a:prstGeom>
+          <a:noFill/>
+        </p:spPr>
+        <p:txBody>
+          <a:bodyPr wrap="square" rtlCol="0">
+            <a:spAutoFit/>
+          </a:bodyPr>
+          <a:lstStyle/>
+          <a:p>
+            <a:pPr algn="ctr"/>
+            <a:r>
+              <a:rPr lang="en-US" altLang="ja-JP" sz="1400" b="1" dirty="0">
+                <a:solidFill>
+                  <a:schemeClr val="accent4"/>
+                </a:solidFill>
+                <a:latin typeface="Arial" panose="020B0604020202020204" pitchFamily="34" charset="0"/>
+                <a:cs typeface="Arial" panose="020B0604020202020204" pitchFamily="34" charset="0"/>
+              </a:rPr>
+              <a:t>CI Server</a:t>
+            </a:r>
+            <a:endParaRPr kumimoji="1" lang="ja-JP" altLang="en-US" sz="1400" b="1" dirty="0">
+              <a:solidFill>
+                <a:schemeClr val="accent4"/>
+              </a:solidFill>
+              <a:latin typeface="Arial" panose="020B0604020202020204" pitchFamily="34" charset="0"/>
+              <a:cs typeface="Arial" panose="020B0604020202020204" pitchFamily="34" charset="0"/>
+            </a:endParaRPr>
+          </a:p>
+        </p:txBody>
+      </p:sp>
+      <p:cxnSp>
+        <p:nvCxnSpPr>
+          <p:cNvPr id="19" name="直線矢印コネクタ 18">
+            <a:extLst>
+              <a:ext uri="{FF2B5EF4-FFF2-40B4-BE49-F238E27FC236}">
+                <a16:creationId xmlns:a16="http://schemas.microsoft.com/office/drawing/2014/main" id="{1A623F0B-1873-C845-6F43-CFD4F6050EA2}"/>
+              </a:ext>
+            </a:extLst>
+          </p:cNvPr>
+          <p:cNvCxnSpPr>
+            <a:cxnSpLocks/>
+            <a:stCxn id="41" idx="3"/>
+            <a:endCxn id="61" idx="2"/>
+          </p:cNvCxnSpPr>
+          <p:nvPr/>
+        </p:nvCxnSpPr>
+        <p:spPr>
+          <a:xfrm>
+            <a:off x="5598457" y="1262594"/>
+            <a:ext cx="1467304" cy="2759"/>
+          </a:xfrm>
+          <a:prstGeom prst="straightConnector1">
+            <a:avLst/>
+          </a:prstGeom>
+          <a:ln>
+            <a:solidFill>
+              <a:schemeClr val="tx1"/>
+            </a:solidFill>
+            <a:headEnd type="none" w="med" len="med"/>
+            <a:tailEnd type="triangle"/>
+          </a:ln>
+        </p:spPr>
+        <p:style>
+          <a:lnRef idx="1">
+            <a:schemeClr val="accent1"/>
+          </a:lnRef>
+          <a:fillRef idx="0">
+            <a:schemeClr val="accent1"/>
+          </a:fillRef>
+          <a:effectRef idx="0">
+            <a:schemeClr val="accent1"/>
+          </a:effectRef>
+          <a:fontRef idx="minor">
+            <a:schemeClr val="tx1"/>
+          </a:fontRef>
+        </p:style>
+      </p:cxnSp>
+      <p:cxnSp>
+        <p:nvCxnSpPr>
+          <p:cNvPr id="20" name="直線矢印コネクタ 19">
+            <a:extLst>
+              <a:ext uri="{FF2B5EF4-FFF2-40B4-BE49-F238E27FC236}">
+                <a16:creationId xmlns:a16="http://schemas.microsoft.com/office/drawing/2014/main" id="{6923E1C8-9172-7189-BF2D-B48A17940FCD}"/>
+              </a:ext>
+            </a:extLst>
+          </p:cNvPr>
+          <p:cNvCxnSpPr>
+            <a:cxnSpLocks/>
+            <a:stCxn id="116" idx="3"/>
+            <a:endCxn id="26" idx="1"/>
+          </p:cNvCxnSpPr>
+          <p:nvPr/>
+        </p:nvCxnSpPr>
+        <p:spPr>
+          <a:xfrm>
+            <a:off x="2336567" y="5676816"/>
+            <a:ext cx="1128960" cy="42"/>
+          </a:xfrm>
+          <a:prstGeom prst="straightConnector1">
+            <a:avLst/>
+          </a:prstGeom>
+          <a:ln>
+            <a:solidFill>
+              <a:schemeClr val="tx1"/>
+            </a:solidFill>
+            <a:headEnd type="none" w="med" len="med"/>
+            <a:tailEnd type="triangle"/>
+          </a:ln>
+        </p:spPr>
+        <p:style>
+          <a:lnRef idx="1">
+            <a:schemeClr val="accent1"/>
+          </a:lnRef>
+          <a:fillRef idx="0">
+            <a:schemeClr val="accent1"/>
+          </a:fillRef>
+          <a:effectRef idx="0">
+            <a:schemeClr val="accent1"/>
+          </a:effectRef>
+          <a:fontRef idx="minor">
+            <a:schemeClr val="tx1"/>
+          </a:fontRef>
+        </p:style>
+      </p:cxnSp>
+      <p:sp>
+        <p:nvSpPr>
+          <p:cNvPr id="21" name="正方形/長方形 20">
+            <a:extLst>
+              <a:ext uri="{FF2B5EF4-FFF2-40B4-BE49-F238E27FC236}">
+                <a16:creationId xmlns:a16="http://schemas.microsoft.com/office/drawing/2014/main" id="{B32F8263-9460-9A5B-6442-5FC173D79120}"/>
+              </a:ext>
+            </a:extLst>
+          </p:cNvPr>
+          <p:cNvSpPr/>
+          <p:nvPr/>
+        </p:nvSpPr>
+        <p:spPr>
+          <a:xfrm>
+            <a:off x="3342796" y="839756"/>
+            <a:ext cx="8543304" cy="5283457"/>
+          </a:xfrm>
+          <a:prstGeom prst="rect">
+            <a:avLst/>
+          </a:prstGeom>
+          <a:noFill/>
+          <a:ln>
+            <a:solidFill>
+              <a:schemeClr val="accent4"/>
+            </a:solidFill>
+            <a:prstDash val="dash"/>
+          </a:ln>
+        </p:spPr>
+        <p:style>
+          <a:lnRef idx="2">
+            <a:schemeClr val="accent1">
+              <a:shade val="50000"/>
+            </a:schemeClr>
+          </a:lnRef>
+          <a:fillRef idx="1">
+            <a:schemeClr val="accent1"/>
+          </a:fillRef>
+          <a:effectRef idx="0">
+            <a:schemeClr val="accent1"/>
+          </a:effectRef>
+          <a:fontRef idx="minor">
+            <a:schemeClr val="lt1"/>
+          </a:fontRef>
+        </p:style>
+        <p:txBody>
+          <a:bodyPr rtlCol="0" anchor="ctr"/>
+          <a:lstStyle/>
+          <a:p>
+            <a:pPr algn="ctr"/>
+            <a:endParaRPr kumimoji="1" lang="ja-JP" altLang="en-US">
+              <a:solidFill>
+                <a:schemeClr val="tx1"/>
+              </a:solidFill>
+            </a:endParaRPr>
+          </a:p>
+        </p:txBody>
+      </p:sp>
+      <p:pic>
+        <p:nvPicPr>
+          <p:cNvPr id="25" name="グラフィックス 24" descr="ユーザー 単色塗りつぶし">
+            <a:extLst>
+              <a:ext uri="{FF2B5EF4-FFF2-40B4-BE49-F238E27FC236}">
+                <a16:creationId xmlns:a16="http://schemas.microsoft.com/office/drawing/2014/main" id="{BAE0DE82-F57E-5186-166E-71CD95ED16B4}"/>
+              </a:ext>
+            </a:extLst>
+          </p:cNvPr>
+          <p:cNvPicPr>
+            <a:picLocks noChangeAspect="1"/>
+          </p:cNvPicPr>
+          <p:nvPr/>
+        </p:nvPicPr>
+        <p:blipFill>
+          <a:blip r:embed="rId3">
+            <a:extLst>
+              <a:ext uri="{28A0092B-C50C-407E-A947-70E740481C1C}">
+                <a14:useLocalDpi xmlns:a14="http://schemas.microsoft.com/office/drawing/2010/main" val="0"/>
+              </a:ext>
+              <a:ext uri="{96DAC541-7B7A-43D3-8B79-37D633B846F1}">
+                <asvg:svgBlip xmlns:asvg="http://schemas.microsoft.com/office/drawing/2016/SVG/main" r:embed="rId4"/>
+              </a:ext>
+            </a:extLst>
+          </a:blip>
+          <a:stretch>
+            <a:fillRect/>
+          </a:stretch>
+        </p:blipFill>
+        <p:spPr>
+          <a:xfrm>
+            <a:off x="913521" y="5355730"/>
+            <a:ext cx="642257" cy="642257"/>
+          </a:xfrm>
+          <a:prstGeom prst="rect">
+            <a:avLst/>
+          </a:prstGeom>
+        </p:spPr>
+      </p:pic>
+      <p:sp>
+        <p:nvSpPr>
+          <p:cNvPr id="26" name="フローチャート: 処理 25">
+            <a:extLst>
+              <a:ext uri="{FF2B5EF4-FFF2-40B4-BE49-F238E27FC236}">
+                <a16:creationId xmlns:a16="http://schemas.microsoft.com/office/drawing/2014/main" id="{AEE29491-95DD-1091-888F-0A5547C73EB6}"/>
+              </a:ext>
+            </a:extLst>
+          </p:cNvPr>
+          <p:cNvSpPr/>
+          <p:nvPr/>
+        </p:nvSpPr>
+        <p:spPr>
+          <a:xfrm>
+            <a:off x="3465527" y="5417811"/>
+            <a:ext cx="1883351" cy="518094"/>
+          </a:xfrm>
+          <a:prstGeom prst="flowChartProcess">
+            <a:avLst/>
+          </a:prstGeom>
+          <a:solidFill>
+            <a:schemeClr val="accent1"/>
+          </a:solidFill>
+        </p:spPr>
+        <p:style>
+          <a:lnRef idx="2">
+            <a:schemeClr val="accent1">
+              <a:shade val="50000"/>
+            </a:schemeClr>
+          </a:lnRef>
+          <a:fillRef idx="1">
+            <a:schemeClr val="accent1"/>
+          </a:fillRef>
+          <a:effectRef idx="0">
+            <a:schemeClr val="accent1"/>
+          </a:effectRef>
+          <a:fontRef idx="minor">
+            <a:schemeClr val="lt1"/>
+          </a:fontRef>
+        </p:style>
+        <p:txBody>
+          <a:bodyPr rtlCol="0" anchor="ctr"/>
+          <a:lstStyle/>
+          <a:p>
+            <a:pPr algn="ctr"/>
+            <a:r>
+              <a:rPr kumimoji="1" lang="en-US" altLang="ja-JP" dirty="0">
+                <a:solidFill>
+                  <a:schemeClr val="bg1"/>
+                </a:solidFill>
+              </a:rPr>
+              <a:t>Dashboard</a:t>
+            </a:r>
+            <a:endParaRPr kumimoji="1" lang="ja-JP" altLang="en-US" dirty="0">
+              <a:solidFill>
+                <a:schemeClr val="bg1"/>
+              </a:solidFill>
+            </a:endParaRPr>
+          </a:p>
+        </p:txBody>
+      </p:sp>
+      <p:sp>
+        <p:nvSpPr>
+          <p:cNvPr id="32" name="フローチャート: 処理 31">
+            <a:extLst>
+              <a:ext uri="{FF2B5EF4-FFF2-40B4-BE49-F238E27FC236}">
+                <a16:creationId xmlns:a16="http://schemas.microsoft.com/office/drawing/2014/main" id="{7C4FEC8F-7199-4E8D-25CE-8A89EC64CDD3}"/>
+              </a:ext>
+            </a:extLst>
+          </p:cNvPr>
+          <p:cNvSpPr/>
+          <p:nvPr/>
+        </p:nvSpPr>
+        <p:spPr>
+          <a:xfrm>
+            <a:off x="7213302" y="3451081"/>
+            <a:ext cx="1883351" cy="518094"/>
+          </a:xfrm>
+          <a:prstGeom prst="flowChartProcess">
+            <a:avLst/>
+          </a:prstGeom>
+          <a:solidFill>
+            <a:schemeClr val="accent1"/>
+          </a:solidFill>
+        </p:spPr>
+        <p:style>
+          <a:lnRef idx="2">
+            <a:schemeClr val="accent1">
+              <a:shade val="50000"/>
+            </a:schemeClr>
+          </a:lnRef>
+          <a:fillRef idx="1">
+            <a:schemeClr val="accent1"/>
+          </a:fillRef>
+          <a:effectRef idx="0">
+            <a:schemeClr val="accent1"/>
+          </a:effectRef>
+          <a:fontRef idx="minor">
+            <a:schemeClr val="lt1"/>
+          </a:fontRef>
+        </p:style>
+        <p:txBody>
+          <a:bodyPr rtlCol="0" anchor="ctr"/>
+          <a:lstStyle/>
+          <a:p>
+            <a:pPr algn="ctr"/>
+            <a:r>
+              <a:rPr kumimoji="1" lang="en-US" altLang="ja-JP" dirty="0">
+                <a:solidFill>
+                  <a:schemeClr val="bg1"/>
+                </a:solidFill>
+              </a:rPr>
+              <a:t>Execute Optimization</a:t>
+            </a:r>
+            <a:endParaRPr kumimoji="1" lang="ja-JP" altLang="en-US" dirty="0">
+              <a:solidFill>
+                <a:schemeClr val="bg1"/>
+              </a:solidFill>
+            </a:endParaRPr>
+          </a:p>
+        </p:txBody>
+      </p:sp>
+      <p:sp>
+        <p:nvSpPr>
+          <p:cNvPr id="33" name="フローチャート: 処理 32">
+            <a:extLst>
+              <a:ext uri="{FF2B5EF4-FFF2-40B4-BE49-F238E27FC236}">
+                <a16:creationId xmlns:a16="http://schemas.microsoft.com/office/drawing/2014/main" id="{B8753618-9098-060B-AB9D-3CFA37724459}"/>
+              </a:ext>
+            </a:extLst>
+          </p:cNvPr>
+          <p:cNvSpPr/>
+          <p:nvPr/>
+        </p:nvSpPr>
+        <p:spPr>
+          <a:xfrm>
+            <a:off x="4805344" y="2998574"/>
+            <a:ext cx="1883351" cy="518094"/>
+          </a:xfrm>
+          <a:prstGeom prst="flowChartProcess">
+            <a:avLst/>
+          </a:prstGeom>
+          <a:solidFill>
+            <a:schemeClr val="accent1"/>
+          </a:solidFill>
+        </p:spPr>
+        <p:style>
+          <a:lnRef idx="2">
+            <a:schemeClr val="accent1">
+              <a:shade val="50000"/>
+            </a:schemeClr>
+          </a:lnRef>
+          <a:fillRef idx="1">
+            <a:schemeClr val="accent1"/>
+          </a:fillRef>
+          <a:effectRef idx="0">
+            <a:schemeClr val="accent1"/>
+          </a:effectRef>
+          <a:fontRef idx="minor">
+            <a:schemeClr val="lt1"/>
+          </a:fontRef>
+        </p:style>
+        <p:txBody>
+          <a:bodyPr rtlCol="0" anchor="ctr"/>
+          <a:lstStyle/>
+          <a:p>
+            <a:pPr algn="ctr"/>
+            <a:r>
+              <a:rPr kumimoji="1" lang="en-US" altLang="ja-JP" dirty="0">
+                <a:solidFill>
+                  <a:schemeClr val="bg1"/>
+                </a:solidFill>
+              </a:rPr>
+              <a:t>Execute Normalization</a:t>
+            </a:r>
+            <a:endParaRPr kumimoji="1" lang="ja-JP" altLang="en-US" dirty="0">
+              <a:solidFill>
+                <a:schemeClr val="bg1"/>
+              </a:solidFill>
+            </a:endParaRPr>
+          </a:p>
+        </p:txBody>
+      </p:sp>
+      <p:sp>
+        <p:nvSpPr>
+          <p:cNvPr id="34" name="フローチャート: 処理 33">
+            <a:extLst>
+              <a:ext uri="{FF2B5EF4-FFF2-40B4-BE49-F238E27FC236}">
+                <a16:creationId xmlns:a16="http://schemas.microsoft.com/office/drawing/2014/main" id="{9C1AACFC-E71A-73DA-3711-57D747B6E1AD}"/>
+              </a:ext>
+            </a:extLst>
+          </p:cNvPr>
+          <p:cNvSpPr/>
+          <p:nvPr/>
+        </p:nvSpPr>
+        <p:spPr>
+          <a:xfrm>
+            <a:off x="4805344" y="3597296"/>
+            <a:ext cx="1883351" cy="518094"/>
+          </a:xfrm>
+          <a:prstGeom prst="flowChartProcess">
+            <a:avLst/>
+          </a:prstGeom>
+          <a:solidFill>
+            <a:schemeClr val="accent1"/>
+          </a:solidFill>
+        </p:spPr>
+        <p:style>
+          <a:lnRef idx="2">
+            <a:schemeClr val="accent1">
+              <a:shade val="50000"/>
+            </a:schemeClr>
+          </a:lnRef>
+          <a:fillRef idx="1">
+            <a:schemeClr val="accent1"/>
+          </a:fillRef>
+          <a:effectRef idx="0">
+            <a:schemeClr val="accent1"/>
+          </a:effectRef>
+          <a:fontRef idx="minor">
+            <a:schemeClr val="lt1"/>
+          </a:fontRef>
+        </p:style>
+        <p:txBody>
+          <a:bodyPr rtlCol="0" anchor="ctr"/>
+          <a:lstStyle/>
+          <a:p>
+            <a:pPr algn="ctr"/>
+            <a:r>
+              <a:rPr kumimoji="1" lang="en-US" altLang="ja-JP" dirty="0">
+                <a:solidFill>
+                  <a:schemeClr val="bg1"/>
+                </a:solidFill>
+              </a:rPr>
+              <a:t>Calculate LRV &amp; Recovery Rate</a:t>
+            </a:r>
+            <a:endParaRPr kumimoji="1" lang="ja-JP" altLang="en-US" dirty="0">
+              <a:solidFill>
+                <a:schemeClr val="bg1"/>
+              </a:solidFill>
+            </a:endParaRPr>
+          </a:p>
+        </p:txBody>
+      </p:sp>
+      <p:sp>
+        <p:nvSpPr>
+          <p:cNvPr id="36" name="テキスト ボックス 35">
+            <a:extLst>
+              <a:ext uri="{FF2B5EF4-FFF2-40B4-BE49-F238E27FC236}">
+                <a16:creationId xmlns:a16="http://schemas.microsoft.com/office/drawing/2014/main" id="{B0EE51DD-D588-CA87-C9FC-3D8BDBD6BFFB}"/>
+              </a:ext>
+            </a:extLst>
+          </p:cNvPr>
+          <p:cNvSpPr txBox="1"/>
+          <p:nvPr/>
+        </p:nvSpPr>
+        <p:spPr>
+          <a:xfrm>
+            <a:off x="4572069" y="2592875"/>
+            <a:ext cx="1275059" cy="307777"/>
+          </a:xfrm>
+          <a:prstGeom prst="rect">
+            <a:avLst/>
+          </a:prstGeom>
+          <a:noFill/>
+        </p:spPr>
+        <p:txBody>
+          <a:bodyPr wrap="square" rtlCol="0">
+            <a:spAutoFit/>
+          </a:bodyPr>
+          <a:lstStyle/>
+          <a:p>
+            <a:r>
+              <a:rPr kumimoji="1" lang="en-US" altLang="ja-JP" sz="1400" dirty="0">
+                <a:latin typeface="Arial" panose="020B0604020202020204" pitchFamily="34" charset="0"/>
+                <a:cs typeface="Arial" panose="020B0604020202020204" pitchFamily="34" charset="0"/>
+              </a:rPr>
+              <a:t>Functions</a:t>
+            </a:r>
+            <a:endParaRPr kumimoji="1" lang="ja-JP" altLang="en-US" sz="1400" dirty="0">
+              <a:latin typeface="Arial" panose="020B0604020202020204" pitchFamily="34" charset="0"/>
+              <a:cs typeface="Arial" panose="020B0604020202020204" pitchFamily="34" charset="0"/>
+            </a:endParaRPr>
+          </a:p>
+        </p:txBody>
+      </p:sp>
+      <p:sp>
+        <p:nvSpPr>
+          <p:cNvPr id="41" name="フローチャート: 処理 40">
+            <a:extLst>
+              <a:ext uri="{FF2B5EF4-FFF2-40B4-BE49-F238E27FC236}">
+                <a16:creationId xmlns:a16="http://schemas.microsoft.com/office/drawing/2014/main" id="{8A963402-99D4-804C-0474-21FAF742948E}"/>
+              </a:ext>
+            </a:extLst>
+          </p:cNvPr>
+          <p:cNvSpPr/>
+          <p:nvPr/>
+        </p:nvSpPr>
+        <p:spPr>
+          <a:xfrm>
+            <a:off x="3526771" y="1003547"/>
+            <a:ext cx="2071686" cy="518094"/>
+          </a:xfrm>
+          <a:prstGeom prst="flowChartProcess">
+            <a:avLst/>
+          </a:prstGeom>
+          <a:solidFill>
+            <a:schemeClr val="accent1"/>
+          </a:solidFill>
+        </p:spPr>
+        <p:style>
+          <a:lnRef idx="2">
+            <a:schemeClr val="accent1">
+              <a:shade val="50000"/>
+            </a:schemeClr>
+          </a:lnRef>
+          <a:fillRef idx="1">
+            <a:schemeClr val="accent1"/>
+          </a:fillRef>
+          <a:effectRef idx="0">
+            <a:schemeClr val="accent1"/>
+          </a:effectRef>
+          <a:fontRef idx="minor">
+            <a:schemeClr val="lt1"/>
+          </a:fontRef>
+        </p:style>
+        <p:txBody>
+          <a:bodyPr rtlCol="0" anchor="ctr"/>
+          <a:lstStyle/>
+          <a:p>
+            <a:pPr algn="ctr"/>
+            <a:r>
+              <a:rPr kumimoji="1" lang="en-US" altLang="ja-JP" dirty="0">
+                <a:solidFill>
+                  <a:schemeClr val="bg1"/>
+                </a:solidFill>
+              </a:rPr>
+              <a:t>Preprocess Data for Model</a:t>
+            </a:r>
+            <a:endParaRPr kumimoji="1" lang="ja-JP" altLang="en-US" dirty="0">
+              <a:solidFill>
+                <a:schemeClr val="bg1"/>
+              </a:solidFill>
+            </a:endParaRPr>
+          </a:p>
+        </p:txBody>
+      </p:sp>
+      <p:cxnSp>
+        <p:nvCxnSpPr>
+          <p:cNvPr id="45" name="コネクタ: カギ線 44">
+            <a:extLst>
+              <a:ext uri="{FF2B5EF4-FFF2-40B4-BE49-F238E27FC236}">
+                <a16:creationId xmlns:a16="http://schemas.microsoft.com/office/drawing/2014/main" id="{D452EE5D-129B-97D9-FC79-A6AA0DE21FE6}"/>
+              </a:ext>
+            </a:extLst>
+          </p:cNvPr>
+          <p:cNvCxnSpPr>
+            <a:stCxn id="9" idx="1"/>
+            <a:endCxn id="41" idx="1"/>
+          </p:cNvCxnSpPr>
+          <p:nvPr/>
+        </p:nvCxnSpPr>
+        <p:spPr>
+          <a:xfrm rot="5400000" flipH="1" flipV="1">
+            <a:off x="1139989" y="1746027"/>
+            <a:ext cx="2870215" cy="1903350"/>
+          </a:xfrm>
+          <a:prstGeom prst="bentConnector2">
+            <a:avLst/>
+          </a:prstGeom>
+          <a:ln>
+            <a:solidFill>
+              <a:schemeClr val="tx1"/>
+            </a:solidFill>
+            <a:headEnd type="none" w="med" len="med"/>
+            <a:tailEnd type="triangle"/>
+          </a:ln>
+        </p:spPr>
+        <p:style>
+          <a:lnRef idx="1">
+            <a:schemeClr val="accent1"/>
+          </a:lnRef>
+          <a:fillRef idx="0">
+            <a:schemeClr val="accent1"/>
+          </a:fillRef>
+          <a:effectRef idx="0">
+            <a:schemeClr val="accent1"/>
+          </a:effectRef>
+          <a:fontRef idx="minor">
+            <a:schemeClr val="tx1"/>
+          </a:fontRef>
+        </p:style>
+      </p:cxnSp>
+      <p:sp>
+        <p:nvSpPr>
+          <p:cNvPr id="15" name="フローチャート: 複数書類 14">
+            <a:extLst>
+              <a:ext uri="{FF2B5EF4-FFF2-40B4-BE49-F238E27FC236}">
+                <a16:creationId xmlns:a16="http://schemas.microsoft.com/office/drawing/2014/main" id="{144A8F2A-AE21-E1BF-5FDB-69D581EC6960}"/>
+              </a:ext>
+            </a:extLst>
+          </p:cNvPr>
+          <p:cNvSpPr/>
+          <p:nvPr/>
+        </p:nvSpPr>
+        <p:spPr>
+          <a:xfrm>
+            <a:off x="915849" y="956054"/>
+            <a:ext cx="1415144" cy="685800"/>
+          </a:xfrm>
+          <a:prstGeom prst="flowChartMultidocument">
+            <a:avLst/>
+          </a:prstGeom>
+          <a:solidFill>
+            <a:schemeClr val="bg1"/>
+          </a:solidFill>
+        </p:spPr>
+        <p:style>
+          <a:lnRef idx="2">
+            <a:schemeClr val="accent1">
+              <a:shade val="50000"/>
+            </a:schemeClr>
+          </a:lnRef>
+          <a:fillRef idx="1">
+            <a:schemeClr val="accent1"/>
+          </a:fillRef>
+          <a:effectRef idx="0">
+            <a:schemeClr val="accent1"/>
+          </a:effectRef>
+          <a:fontRef idx="minor">
+            <a:schemeClr val="lt1"/>
+          </a:fontRef>
+        </p:style>
+        <p:txBody>
+          <a:bodyPr rtlCol="0" anchor="ctr"/>
+          <a:lstStyle/>
+          <a:p>
+            <a:pPr algn="ctr"/>
+            <a:r>
+              <a:rPr kumimoji="1" lang="en-US" altLang="ja-JP" sz="1600" dirty="0">
+                <a:solidFill>
+                  <a:schemeClr val="tx1"/>
+                </a:solidFill>
+              </a:rPr>
+              <a:t>Operation Data</a:t>
+            </a:r>
+            <a:endParaRPr kumimoji="1" lang="ja-JP" altLang="en-US" sz="1600" dirty="0">
+              <a:solidFill>
+                <a:schemeClr val="tx1"/>
+              </a:solidFill>
+            </a:endParaRPr>
+          </a:p>
+        </p:txBody>
+      </p:sp>
+      <p:sp>
+        <p:nvSpPr>
+          <p:cNvPr id="13" name="フローチャート: 処理 12">
+            <a:extLst>
+              <a:ext uri="{FF2B5EF4-FFF2-40B4-BE49-F238E27FC236}">
+                <a16:creationId xmlns:a16="http://schemas.microsoft.com/office/drawing/2014/main" id="{E8FEA1DB-A3F4-222D-52B6-892CD360395D}"/>
+              </a:ext>
+            </a:extLst>
+          </p:cNvPr>
+          <p:cNvSpPr/>
+          <p:nvPr/>
+        </p:nvSpPr>
+        <p:spPr>
+          <a:xfrm>
+            <a:off x="370051" y="2990704"/>
+            <a:ext cx="2506740" cy="518094"/>
+          </a:xfrm>
+          <a:prstGeom prst="flowChartProcess">
+            <a:avLst/>
+          </a:prstGeom>
+          <a:solidFill>
+            <a:schemeClr val="accent1"/>
+          </a:solidFill>
+        </p:spPr>
+        <p:style>
+          <a:lnRef idx="2">
+            <a:schemeClr val="accent1">
+              <a:shade val="50000"/>
+            </a:schemeClr>
+          </a:lnRef>
+          <a:fillRef idx="1">
+            <a:schemeClr val="accent1"/>
+          </a:fillRef>
+          <a:effectRef idx="0">
+            <a:schemeClr val="accent1"/>
+          </a:effectRef>
+          <a:fontRef idx="minor">
+            <a:schemeClr val="lt1"/>
+          </a:fontRef>
+        </p:style>
+        <p:txBody>
+          <a:bodyPr rtlCol="0" anchor="ctr"/>
+          <a:lstStyle/>
+          <a:p>
+            <a:pPr algn="ctr"/>
+            <a:r>
+              <a:rPr kumimoji="1" lang="en-US" altLang="ja-JP" dirty="0">
+                <a:solidFill>
+                  <a:schemeClr val="bg1"/>
+                </a:solidFill>
+              </a:rPr>
+              <a:t>Preprocess Data</a:t>
+            </a:r>
+            <a:endParaRPr kumimoji="1" lang="ja-JP" altLang="en-US" dirty="0">
+              <a:solidFill>
+                <a:schemeClr val="bg1"/>
+              </a:solidFill>
+            </a:endParaRPr>
+          </a:p>
+        </p:txBody>
+      </p:sp>
+      <p:cxnSp>
+        <p:nvCxnSpPr>
+          <p:cNvPr id="47" name="コネクタ: カギ線 46">
+            <a:extLst>
+              <a:ext uri="{FF2B5EF4-FFF2-40B4-BE49-F238E27FC236}">
+                <a16:creationId xmlns:a16="http://schemas.microsoft.com/office/drawing/2014/main" id="{728EB5A1-063E-2220-E549-C51CB2249F59}"/>
+              </a:ext>
+            </a:extLst>
+          </p:cNvPr>
+          <p:cNvCxnSpPr>
+            <a:cxnSpLocks/>
+            <a:stCxn id="61" idx="4"/>
+            <a:endCxn id="26" idx="0"/>
+          </p:cNvCxnSpPr>
+          <p:nvPr/>
+        </p:nvCxnSpPr>
+        <p:spPr>
+          <a:xfrm rot="5400000">
+            <a:off x="3743043" y="2013986"/>
+            <a:ext cx="4067985" cy="2739664"/>
+          </a:xfrm>
+          <a:prstGeom prst="bentConnector3">
+            <a:avLst>
+              <a:gd name="adj1" fmla="val 13875"/>
+            </a:avLst>
+          </a:prstGeom>
+          <a:ln>
+            <a:solidFill>
+              <a:schemeClr val="tx1"/>
+            </a:solidFill>
+            <a:headEnd type="none" w="med" len="med"/>
+            <a:tailEnd type="triangle"/>
+          </a:ln>
+        </p:spPr>
+        <p:style>
+          <a:lnRef idx="1">
+            <a:schemeClr val="accent1"/>
+          </a:lnRef>
+          <a:fillRef idx="0">
+            <a:schemeClr val="accent1"/>
+          </a:fillRef>
+          <a:effectRef idx="0">
+            <a:schemeClr val="accent1"/>
+          </a:effectRef>
+          <a:fontRef idx="minor">
+            <a:schemeClr val="tx1"/>
+          </a:fontRef>
+        </p:style>
+      </p:cxnSp>
+      <p:cxnSp>
+        <p:nvCxnSpPr>
+          <p:cNvPr id="52" name="コネクタ: カギ線 51">
+            <a:extLst>
+              <a:ext uri="{FF2B5EF4-FFF2-40B4-BE49-F238E27FC236}">
+                <a16:creationId xmlns:a16="http://schemas.microsoft.com/office/drawing/2014/main" id="{1FFE25E1-46A3-53B3-A94A-8D008C4C457B}"/>
+              </a:ext>
+            </a:extLst>
+          </p:cNvPr>
+          <p:cNvCxnSpPr>
+            <a:cxnSpLocks/>
+            <a:stCxn id="61" idx="4"/>
+            <a:endCxn id="35" idx="0"/>
+          </p:cNvCxnSpPr>
+          <p:nvPr/>
+        </p:nvCxnSpPr>
+        <p:spPr>
+          <a:xfrm rot="5400000">
+            <a:off x="5667604" y="1421389"/>
+            <a:ext cx="1550826" cy="1407701"/>
+          </a:xfrm>
+          <a:prstGeom prst="bentConnector3">
+            <a:avLst>
+              <a:gd name="adj1" fmla="val 35961"/>
+            </a:avLst>
+          </a:prstGeom>
+          <a:ln>
+            <a:solidFill>
+              <a:schemeClr val="tx1"/>
+            </a:solidFill>
+            <a:headEnd type="none" w="med" len="med"/>
+            <a:tailEnd type="triangle"/>
+          </a:ln>
+        </p:spPr>
+        <p:style>
+          <a:lnRef idx="1">
+            <a:schemeClr val="accent1"/>
+          </a:lnRef>
+          <a:fillRef idx="0">
+            <a:schemeClr val="accent1"/>
+          </a:fillRef>
+          <a:effectRef idx="0">
+            <a:schemeClr val="accent1"/>
+          </a:effectRef>
+          <a:fontRef idx="minor">
+            <a:schemeClr val="tx1"/>
+          </a:fontRef>
+        </p:style>
+      </p:cxnSp>
+      <p:sp>
+        <p:nvSpPr>
+          <p:cNvPr id="61" name="楕円 60">
+            <a:extLst>
+              <a:ext uri="{FF2B5EF4-FFF2-40B4-BE49-F238E27FC236}">
+                <a16:creationId xmlns:a16="http://schemas.microsoft.com/office/drawing/2014/main" id="{6682CDB8-E499-64E5-5538-434AB568B185}"/>
+              </a:ext>
+            </a:extLst>
+          </p:cNvPr>
+          <p:cNvSpPr/>
+          <p:nvPr/>
+        </p:nvSpPr>
+        <p:spPr>
+          <a:xfrm>
+            <a:off x="7065761" y="1180879"/>
+            <a:ext cx="162212" cy="168947"/>
+          </a:xfrm>
+          <a:prstGeom prst="ellipse">
+            <a:avLst/>
+          </a:prstGeom>
+          <a:solidFill>
+            <a:schemeClr val="bg1"/>
+          </a:solidFill>
+        </p:spPr>
+        <p:style>
+          <a:lnRef idx="2">
+            <a:schemeClr val="accent1">
+              <a:shade val="50000"/>
+            </a:schemeClr>
+          </a:lnRef>
+          <a:fillRef idx="1">
+            <a:schemeClr val="accent1"/>
+          </a:fillRef>
+          <a:effectRef idx="0">
+            <a:schemeClr val="accent1"/>
+          </a:effectRef>
+          <a:fontRef idx="minor">
+            <a:schemeClr val="lt1"/>
+          </a:fontRef>
+        </p:style>
+        <p:txBody>
+          <a:bodyPr rtlCol="0" anchor="ctr"/>
+          <a:lstStyle/>
+          <a:p>
+            <a:pPr algn="ctr"/>
+            <a:endParaRPr kumimoji="1" lang="ja-JP" altLang="en-US">
+              <a:solidFill>
+                <a:schemeClr val="tx1"/>
+              </a:solidFill>
+            </a:endParaRPr>
+          </a:p>
+        </p:txBody>
+      </p:sp>
+      <p:sp>
+        <p:nvSpPr>
+          <p:cNvPr id="71" name="フローチャート: 処理 70">
+            <a:extLst>
+              <a:ext uri="{FF2B5EF4-FFF2-40B4-BE49-F238E27FC236}">
+                <a16:creationId xmlns:a16="http://schemas.microsoft.com/office/drawing/2014/main" id="{4FE4A94C-87BF-4C3D-A6F9-4D91AE204D3C}"/>
+              </a:ext>
+            </a:extLst>
+          </p:cNvPr>
+          <p:cNvSpPr/>
+          <p:nvPr/>
+        </p:nvSpPr>
+        <p:spPr>
+          <a:xfrm>
+            <a:off x="9736659" y="2998574"/>
+            <a:ext cx="1883351" cy="518094"/>
+          </a:xfrm>
+          <a:prstGeom prst="flowChartProcess">
+            <a:avLst/>
+          </a:prstGeom>
+          <a:solidFill>
+            <a:schemeClr val="accent1"/>
+          </a:solidFill>
+        </p:spPr>
+        <p:style>
+          <a:lnRef idx="2">
+            <a:schemeClr val="accent1">
+              <a:shade val="50000"/>
+            </a:schemeClr>
+          </a:lnRef>
+          <a:fillRef idx="1">
+            <a:schemeClr val="accent1"/>
+          </a:fillRef>
+          <a:effectRef idx="0">
+            <a:schemeClr val="accent1"/>
+          </a:effectRef>
+          <a:fontRef idx="minor">
+            <a:schemeClr val="lt1"/>
+          </a:fontRef>
+        </p:style>
+        <p:txBody>
+          <a:bodyPr rtlCol="0" anchor="ctr"/>
+          <a:lstStyle/>
+          <a:p>
+            <a:pPr algn="ctr"/>
+            <a:r>
+              <a:rPr kumimoji="1" lang="en-US" altLang="ja-JP" dirty="0">
+                <a:solidFill>
+                  <a:schemeClr val="bg1"/>
+                </a:solidFill>
+              </a:rPr>
+              <a:t>Simulation &amp; Model Update</a:t>
+            </a:r>
+            <a:endParaRPr kumimoji="1" lang="ja-JP" altLang="en-US" dirty="0">
+              <a:solidFill>
+                <a:schemeClr val="bg1"/>
+              </a:solidFill>
+            </a:endParaRPr>
+          </a:p>
+        </p:txBody>
+      </p:sp>
+      <p:cxnSp>
+        <p:nvCxnSpPr>
+          <p:cNvPr id="72" name="コネクタ: カギ線 71">
+            <a:extLst>
+              <a:ext uri="{FF2B5EF4-FFF2-40B4-BE49-F238E27FC236}">
+                <a16:creationId xmlns:a16="http://schemas.microsoft.com/office/drawing/2014/main" id="{84156637-F466-07B9-2259-849E57AD7F36}"/>
+              </a:ext>
+            </a:extLst>
+          </p:cNvPr>
+          <p:cNvCxnSpPr>
+            <a:cxnSpLocks/>
+            <a:stCxn id="35" idx="2"/>
+            <a:endCxn id="26" idx="3"/>
+          </p:cNvCxnSpPr>
+          <p:nvPr/>
+        </p:nvCxnSpPr>
+        <p:spPr>
+          <a:xfrm rot="5400000">
+            <a:off x="4825370" y="4763061"/>
+            <a:ext cx="1437305" cy="390288"/>
+          </a:xfrm>
+          <a:prstGeom prst="bentConnector2">
+            <a:avLst/>
+          </a:prstGeom>
+          <a:ln>
+            <a:solidFill>
+              <a:schemeClr val="tx1"/>
+            </a:solidFill>
+            <a:headEnd type="none" w="med" len="med"/>
+            <a:tailEnd type="triangle"/>
+          </a:ln>
+        </p:spPr>
+        <p:style>
+          <a:lnRef idx="1">
+            <a:schemeClr val="accent1"/>
+          </a:lnRef>
+          <a:fillRef idx="0">
+            <a:schemeClr val="accent1"/>
+          </a:fillRef>
+          <a:effectRef idx="0">
+            <a:schemeClr val="accent1"/>
+          </a:effectRef>
+          <a:fontRef idx="minor">
+            <a:schemeClr val="tx1"/>
+          </a:fontRef>
+        </p:style>
+      </p:cxnSp>
+      <p:sp>
+        <p:nvSpPr>
+          <p:cNvPr id="37" name="フローチャート: 複数書類 36">
+            <a:extLst>
+              <a:ext uri="{FF2B5EF4-FFF2-40B4-BE49-F238E27FC236}">
+                <a16:creationId xmlns:a16="http://schemas.microsoft.com/office/drawing/2014/main" id="{D4FCAC0A-3EF7-4CC7-E1B1-57CDF7A29896}"/>
+              </a:ext>
+            </a:extLst>
+          </p:cNvPr>
+          <p:cNvSpPr/>
+          <p:nvPr/>
+        </p:nvSpPr>
+        <p:spPr>
+          <a:xfrm>
+            <a:off x="5016801" y="4452128"/>
+            <a:ext cx="1415144" cy="685800"/>
+          </a:xfrm>
+          <a:prstGeom prst="flowChartMultidocument">
+            <a:avLst/>
+          </a:prstGeom>
+          <a:solidFill>
+            <a:schemeClr val="bg1"/>
+          </a:solidFill>
+        </p:spPr>
+        <p:style>
+          <a:lnRef idx="2">
+            <a:schemeClr val="accent1">
+              <a:shade val="50000"/>
+            </a:schemeClr>
+          </a:lnRef>
+          <a:fillRef idx="1">
+            <a:schemeClr val="accent1"/>
+          </a:fillRef>
+          <a:effectRef idx="0">
+            <a:schemeClr val="accent1"/>
+          </a:effectRef>
+          <a:fontRef idx="minor">
+            <a:schemeClr val="lt1"/>
+          </a:fontRef>
+        </p:style>
+        <p:txBody>
+          <a:bodyPr rtlCol="0" anchor="ctr"/>
+          <a:lstStyle/>
+          <a:p>
+            <a:pPr algn="ctr"/>
+            <a:r>
+              <a:rPr kumimoji="1" lang="en-US" altLang="ja-JP" sz="1600" dirty="0">
+                <a:solidFill>
+                  <a:schemeClr val="tx1"/>
+                </a:solidFill>
+              </a:rPr>
+              <a:t>Calculated Value</a:t>
+            </a:r>
+            <a:endParaRPr kumimoji="1" lang="ja-JP" altLang="en-US" sz="1600" dirty="0">
+              <a:solidFill>
+                <a:schemeClr val="tx1"/>
+              </a:solidFill>
+            </a:endParaRPr>
+          </a:p>
+        </p:txBody>
+      </p:sp>
+      <p:cxnSp>
+        <p:nvCxnSpPr>
+          <p:cNvPr id="76" name="コネクタ: カギ線 75">
+            <a:extLst>
+              <a:ext uri="{FF2B5EF4-FFF2-40B4-BE49-F238E27FC236}">
+                <a16:creationId xmlns:a16="http://schemas.microsoft.com/office/drawing/2014/main" id="{1AA139D9-414D-F99F-6A04-AD9CCE3F29DE}"/>
+              </a:ext>
+            </a:extLst>
+          </p:cNvPr>
+          <p:cNvCxnSpPr>
+            <a:cxnSpLocks/>
+            <a:stCxn id="32" idx="2"/>
+            <a:endCxn id="26" idx="3"/>
+          </p:cNvCxnSpPr>
+          <p:nvPr/>
+        </p:nvCxnSpPr>
+        <p:spPr>
+          <a:xfrm rot="5400000">
+            <a:off x="5898087" y="3419966"/>
+            <a:ext cx="1707683" cy="2806100"/>
+          </a:xfrm>
+          <a:prstGeom prst="bentConnector2">
+            <a:avLst/>
+          </a:prstGeom>
+          <a:ln>
+            <a:solidFill>
+              <a:schemeClr val="tx1"/>
+            </a:solidFill>
+            <a:headEnd type="none" w="med" len="med"/>
+            <a:tailEnd type="triangle"/>
+          </a:ln>
+        </p:spPr>
+        <p:style>
+          <a:lnRef idx="1">
+            <a:schemeClr val="accent1"/>
+          </a:lnRef>
+          <a:fillRef idx="0">
+            <a:schemeClr val="accent1"/>
+          </a:fillRef>
+          <a:effectRef idx="0">
+            <a:schemeClr val="accent1"/>
+          </a:effectRef>
+          <a:fontRef idx="minor">
+            <a:schemeClr val="tx1"/>
+          </a:fontRef>
+        </p:style>
+      </p:cxnSp>
+      <p:sp>
+        <p:nvSpPr>
+          <p:cNvPr id="75" name="フローチャート: 複数書類 74">
+            <a:extLst>
+              <a:ext uri="{FF2B5EF4-FFF2-40B4-BE49-F238E27FC236}">
+                <a16:creationId xmlns:a16="http://schemas.microsoft.com/office/drawing/2014/main" id="{10F1CE50-19F3-8FD2-E602-26CA1765FFB3}"/>
+              </a:ext>
+            </a:extLst>
+          </p:cNvPr>
+          <p:cNvSpPr/>
+          <p:nvPr/>
+        </p:nvSpPr>
+        <p:spPr>
+          <a:xfrm>
+            <a:off x="7478945" y="4452128"/>
+            <a:ext cx="1415144" cy="685800"/>
+          </a:xfrm>
+          <a:prstGeom prst="flowChartMultidocument">
+            <a:avLst/>
+          </a:prstGeom>
+          <a:solidFill>
+            <a:schemeClr val="bg1"/>
+          </a:solidFill>
+        </p:spPr>
+        <p:style>
+          <a:lnRef idx="2">
+            <a:schemeClr val="accent1">
+              <a:shade val="50000"/>
+            </a:schemeClr>
+          </a:lnRef>
+          <a:fillRef idx="1">
+            <a:schemeClr val="accent1"/>
+          </a:fillRef>
+          <a:effectRef idx="0">
+            <a:schemeClr val="accent1"/>
+          </a:effectRef>
+          <a:fontRef idx="minor">
+            <a:schemeClr val="lt1"/>
+          </a:fontRef>
+        </p:style>
+        <p:txBody>
+          <a:bodyPr rtlCol="0" anchor="ctr"/>
+          <a:lstStyle/>
+          <a:p>
+            <a:pPr algn="ctr"/>
+            <a:r>
+              <a:rPr kumimoji="1" lang="en-US" altLang="ja-JP" sz="1600" dirty="0">
+                <a:solidFill>
+                  <a:schemeClr val="tx1"/>
+                </a:solidFill>
+              </a:rPr>
+              <a:t>Results Value</a:t>
+            </a:r>
+            <a:endParaRPr kumimoji="1" lang="ja-JP" altLang="en-US" sz="1600" dirty="0">
+              <a:solidFill>
+                <a:schemeClr val="tx1"/>
+              </a:solidFill>
+            </a:endParaRPr>
+          </a:p>
+        </p:txBody>
+      </p:sp>
+      <p:sp>
+        <p:nvSpPr>
+          <p:cNvPr id="79" name="フローチャート: 複数書類 78">
+            <a:extLst>
+              <a:ext uri="{FF2B5EF4-FFF2-40B4-BE49-F238E27FC236}">
+                <a16:creationId xmlns:a16="http://schemas.microsoft.com/office/drawing/2014/main" id="{95D32BD8-7FF0-DE17-574A-293C0DFC3CF9}"/>
+              </a:ext>
+            </a:extLst>
+          </p:cNvPr>
+          <p:cNvSpPr/>
+          <p:nvPr/>
+        </p:nvSpPr>
+        <p:spPr>
+          <a:xfrm>
+            <a:off x="9863114" y="964689"/>
+            <a:ext cx="1883351" cy="685800"/>
+          </a:xfrm>
+          <a:prstGeom prst="flowChartMultidocument">
+            <a:avLst/>
+          </a:prstGeom>
+          <a:solidFill>
+            <a:schemeClr val="bg1"/>
+          </a:solidFill>
+        </p:spPr>
+        <p:style>
+          <a:lnRef idx="2">
+            <a:schemeClr val="accent1">
+              <a:shade val="50000"/>
+            </a:schemeClr>
+          </a:lnRef>
+          <a:fillRef idx="1">
+            <a:schemeClr val="accent1"/>
+          </a:fillRef>
+          <a:effectRef idx="0">
+            <a:schemeClr val="accent1"/>
+          </a:effectRef>
+          <a:fontRef idx="minor">
+            <a:schemeClr val="lt1"/>
+          </a:fontRef>
+        </p:style>
+        <p:txBody>
+          <a:bodyPr rtlCol="0" anchor="ctr"/>
+          <a:lstStyle/>
+          <a:p>
+            <a:pPr algn="ctr"/>
+            <a:r>
+              <a:rPr kumimoji="1" lang="en-US" altLang="ja-JP" sz="1400" dirty="0">
+                <a:solidFill>
+                  <a:schemeClr val="tx1"/>
+                </a:solidFill>
+              </a:rPr>
+              <a:t>Constraints&amp; Simulation Status</a:t>
+            </a:r>
+            <a:endParaRPr kumimoji="1" lang="ja-JP" altLang="en-US" sz="1400" dirty="0">
+              <a:solidFill>
+                <a:schemeClr val="tx1"/>
+              </a:solidFill>
+            </a:endParaRPr>
+          </a:p>
+        </p:txBody>
+      </p:sp>
+      <p:cxnSp>
+        <p:nvCxnSpPr>
+          <p:cNvPr id="80" name="直線矢印コネクタ 79">
+            <a:extLst>
+              <a:ext uri="{FF2B5EF4-FFF2-40B4-BE49-F238E27FC236}">
+                <a16:creationId xmlns:a16="http://schemas.microsoft.com/office/drawing/2014/main" id="{BAB4BBCA-2A84-F74D-8255-D52C5C5C7389}"/>
+              </a:ext>
+            </a:extLst>
+          </p:cNvPr>
+          <p:cNvCxnSpPr>
+            <a:cxnSpLocks/>
+            <a:stCxn id="79" idx="2"/>
+            <a:endCxn id="71" idx="0"/>
+          </p:cNvCxnSpPr>
+          <p:nvPr/>
+        </p:nvCxnSpPr>
+        <p:spPr>
+          <a:xfrm>
+            <a:off x="10673827" y="1624518"/>
+            <a:ext cx="4508" cy="1374056"/>
+          </a:xfrm>
+          <a:prstGeom prst="straightConnector1">
+            <a:avLst/>
+          </a:prstGeom>
+          <a:ln>
+            <a:solidFill>
+              <a:schemeClr val="tx1"/>
+            </a:solidFill>
+            <a:headEnd type="none" w="med" len="med"/>
+            <a:tailEnd type="triangle"/>
+          </a:ln>
+        </p:spPr>
+        <p:style>
+          <a:lnRef idx="1">
+            <a:schemeClr val="accent1"/>
+          </a:lnRef>
+          <a:fillRef idx="0">
+            <a:schemeClr val="accent1"/>
+          </a:fillRef>
+          <a:effectRef idx="0">
+            <a:schemeClr val="accent1"/>
+          </a:effectRef>
+          <a:fontRef idx="minor">
+            <a:schemeClr val="tx1"/>
+          </a:fontRef>
+        </p:style>
+      </p:cxnSp>
+      <p:cxnSp>
+        <p:nvCxnSpPr>
+          <p:cNvPr id="84" name="コネクタ: カギ線 83">
+            <a:extLst>
+              <a:ext uri="{FF2B5EF4-FFF2-40B4-BE49-F238E27FC236}">
+                <a16:creationId xmlns:a16="http://schemas.microsoft.com/office/drawing/2014/main" id="{A9CDCD47-9379-1FF2-36A1-3365BA8E8F70}"/>
+              </a:ext>
+            </a:extLst>
+          </p:cNvPr>
+          <p:cNvCxnSpPr>
+            <a:cxnSpLocks/>
+            <a:stCxn id="71" idx="2"/>
+            <a:endCxn id="26" idx="3"/>
+          </p:cNvCxnSpPr>
+          <p:nvPr/>
+        </p:nvCxnSpPr>
+        <p:spPr>
+          <a:xfrm rot="5400000">
+            <a:off x="6933512" y="1932035"/>
+            <a:ext cx="2160190" cy="5329457"/>
+          </a:xfrm>
+          <a:prstGeom prst="bentConnector2">
+            <a:avLst/>
+          </a:prstGeom>
+          <a:ln>
+            <a:solidFill>
+              <a:schemeClr val="tx1"/>
+            </a:solidFill>
+            <a:headEnd type="none" w="med" len="med"/>
+            <a:tailEnd type="triangle"/>
+          </a:ln>
+        </p:spPr>
+        <p:style>
+          <a:lnRef idx="1">
+            <a:schemeClr val="accent1"/>
+          </a:lnRef>
+          <a:fillRef idx="0">
+            <a:schemeClr val="accent1"/>
+          </a:fillRef>
+          <a:effectRef idx="0">
+            <a:schemeClr val="accent1"/>
+          </a:effectRef>
+          <a:fontRef idx="minor">
+            <a:schemeClr val="tx1"/>
+          </a:fontRef>
+        </p:style>
+      </p:cxnSp>
+      <p:sp>
+        <p:nvSpPr>
+          <p:cNvPr id="87" name="フローチャート: 複数書類 86">
+            <a:extLst>
+              <a:ext uri="{FF2B5EF4-FFF2-40B4-BE49-F238E27FC236}">
+                <a16:creationId xmlns:a16="http://schemas.microsoft.com/office/drawing/2014/main" id="{1FFD52E1-AB3A-316B-B05F-D3C30B86BF38}"/>
+              </a:ext>
+            </a:extLst>
+          </p:cNvPr>
+          <p:cNvSpPr/>
+          <p:nvPr/>
+        </p:nvSpPr>
+        <p:spPr>
+          <a:xfrm>
+            <a:off x="8515179" y="964689"/>
+            <a:ext cx="1286354" cy="685800"/>
+          </a:xfrm>
+          <a:prstGeom prst="flowChartMultidocument">
+            <a:avLst/>
+          </a:prstGeom>
+          <a:solidFill>
+            <a:schemeClr val="bg1"/>
+          </a:solidFill>
+        </p:spPr>
+        <p:style>
+          <a:lnRef idx="2">
+            <a:schemeClr val="accent1">
+              <a:shade val="50000"/>
+            </a:schemeClr>
+          </a:lnRef>
+          <a:fillRef idx="1">
+            <a:schemeClr val="accent1"/>
+          </a:fillRef>
+          <a:effectRef idx="0">
+            <a:schemeClr val="accent1"/>
+          </a:effectRef>
+          <a:fontRef idx="minor">
+            <a:schemeClr val="lt1"/>
+          </a:fontRef>
+        </p:style>
+        <p:txBody>
+          <a:bodyPr rtlCol="0" anchor="ctr"/>
+          <a:lstStyle/>
+          <a:p>
+            <a:pPr algn="ctr"/>
+            <a:r>
+              <a:rPr kumimoji="1" lang="en-US" altLang="ja-JP" sz="1400" dirty="0">
+                <a:solidFill>
+                  <a:schemeClr val="tx1"/>
+                </a:solidFill>
+              </a:rPr>
+              <a:t>Past Model Files</a:t>
+            </a:r>
+            <a:endParaRPr kumimoji="1" lang="ja-JP" altLang="en-US" sz="1400" dirty="0">
+              <a:solidFill>
+                <a:schemeClr val="tx1"/>
+              </a:solidFill>
+            </a:endParaRPr>
+          </a:p>
+        </p:txBody>
+      </p:sp>
+      <p:cxnSp>
+        <p:nvCxnSpPr>
+          <p:cNvPr id="88" name="コネクタ: カギ線 87">
+            <a:extLst>
+              <a:ext uri="{FF2B5EF4-FFF2-40B4-BE49-F238E27FC236}">
+                <a16:creationId xmlns:a16="http://schemas.microsoft.com/office/drawing/2014/main" id="{10D251B3-84B8-A9BD-D057-2CD589E06428}"/>
+              </a:ext>
+            </a:extLst>
+          </p:cNvPr>
+          <p:cNvCxnSpPr>
+            <a:cxnSpLocks/>
+            <a:stCxn id="87" idx="2"/>
+            <a:endCxn id="71" idx="0"/>
+          </p:cNvCxnSpPr>
+          <p:nvPr/>
+        </p:nvCxnSpPr>
+        <p:spPr>
+          <a:xfrm rot="16200000" flipH="1">
+            <a:off x="9186593" y="1506832"/>
+            <a:ext cx="1374056" cy="1609428"/>
+          </a:xfrm>
+          <a:prstGeom prst="bentConnector3">
+            <a:avLst>
+              <a:gd name="adj1" fmla="val 22272"/>
+            </a:avLst>
+          </a:prstGeom>
+          <a:ln>
+            <a:solidFill>
+              <a:schemeClr val="tx1"/>
+            </a:solidFill>
+            <a:headEnd type="none" w="med" len="med"/>
+            <a:tailEnd type="triangle"/>
+          </a:ln>
+        </p:spPr>
+        <p:style>
+          <a:lnRef idx="1">
+            <a:schemeClr val="accent1"/>
+          </a:lnRef>
+          <a:fillRef idx="0">
+            <a:schemeClr val="accent1"/>
+          </a:fillRef>
+          <a:effectRef idx="0">
+            <a:schemeClr val="accent1"/>
+          </a:effectRef>
+          <a:fontRef idx="minor">
+            <a:schemeClr val="tx1"/>
+          </a:fontRef>
+        </p:style>
+      </p:cxnSp>
+      <p:cxnSp>
+        <p:nvCxnSpPr>
+          <p:cNvPr id="93" name="コネクタ: カギ線 92">
+            <a:extLst>
+              <a:ext uri="{FF2B5EF4-FFF2-40B4-BE49-F238E27FC236}">
+                <a16:creationId xmlns:a16="http://schemas.microsoft.com/office/drawing/2014/main" id="{4E6680F1-C4C6-C0D9-1B5A-B52211661895}"/>
+              </a:ext>
+            </a:extLst>
+          </p:cNvPr>
+          <p:cNvCxnSpPr>
+            <a:cxnSpLocks/>
+            <a:stCxn id="61" idx="4"/>
+            <a:endCxn id="32" idx="0"/>
+          </p:cNvCxnSpPr>
+          <p:nvPr/>
+        </p:nvCxnSpPr>
+        <p:spPr>
+          <a:xfrm rot="16200000" flipH="1">
+            <a:off x="6600295" y="1896397"/>
+            <a:ext cx="2101255" cy="1008111"/>
+          </a:xfrm>
+          <a:prstGeom prst="bentConnector3">
+            <a:avLst>
+              <a:gd name="adj1" fmla="val 26169"/>
+            </a:avLst>
+          </a:prstGeom>
+          <a:ln>
+            <a:solidFill>
+              <a:schemeClr val="tx1"/>
+            </a:solidFill>
+            <a:headEnd type="none" w="med" len="med"/>
+            <a:tailEnd type="triangle"/>
+          </a:ln>
+        </p:spPr>
+        <p:style>
+          <a:lnRef idx="1">
+            <a:schemeClr val="accent1"/>
+          </a:lnRef>
+          <a:fillRef idx="0">
+            <a:schemeClr val="accent1"/>
+          </a:fillRef>
+          <a:effectRef idx="0">
+            <a:schemeClr val="accent1"/>
+          </a:effectRef>
+          <a:fontRef idx="minor">
+            <a:schemeClr val="tx1"/>
+          </a:fontRef>
+        </p:style>
+      </p:cxnSp>
+      <p:sp>
+        <p:nvSpPr>
+          <p:cNvPr id="92" name="フローチャート: 複数書類 91">
+            <a:extLst>
+              <a:ext uri="{FF2B5EF4-FFF2-40B4-BE49-F238E27FC236}">
+                <a16:creationId xmlns:a16="http://schemas.microsoft.com/office/drawing/2014/main" id="{2A7FBC27-F3CB-0FED-C502-A462A760B6FA}"/>
+              </a:ext>
+            </a:extLst>
+          </p:cNvPr>
+          <p:cNvSpPr/>
+          <p:nvPr/>
+        </p:nvSpPr>
+        <p:spPr>
+          <a:xfrm>
+            <a:off x="7554679" y="2578707"/>
+            <a:ext cx="1286354" cy="685800"/>
+          </a:xfrm>
+          <a:prstGeom prst="flowChartMultidocument">
+            <a:avLst/>
+          </a:prstGeom>
+          <a:solidFill>
+            <a:schemeClr val="bg1"/>
+          </a:solidFill>
+        </p:spPr>
+        <p:style>
+          <a:lnRef idx="2">
+            <a:schemeClr val="accent1">
+              <a:shade val="50000"/>
+            </a:schemeClr>
+          </a:lnRef>
+          <a:fillRef idx="1">
+            <a:schemeClr val="accent1"/>
+          </a:fillRef>
+          <a:effectRef idx="0">
+            <a:schemeClr val="accent1"/>
+          </a:effectRef>
+          <a:fontRef idx="minor">
+            <a:schemeClr val="lt1"/>
+          </a:fontRef>
+        </p:style>
+        <p:txBody>
+          <a:bodyPr rtlCol="0" anchor="ctr"/>
+          <a:lstStyle/>
+          <a:p>
+            <a:pPr algn="ctr"/>
+            <a:r>
+              <a:rPr kumimoji="1" lang="en-US" altLang="ja-JP" sz="1400" dirty="0">
+                <a:solidFill>
+                  <a:schemeClr val="tx1"/>
+                </a:solidFill>
+              </a:rPr>
+              <a:t>Model File</a:t>
+            </a:r>
+            <a:endParaRPr kumimoji="1" lang="ja-JP" altLang="en-US" sz="1400" dirty="0">
+              <a:solidFill>
+                <a:schemeClr val="tx1"/>
+              </a:solidFill>
+            </a:endParaRPr>
+          </a:p>
+        </p:txBody>
+      </p:sp>
+      <p:sp>
+        <p:nvSpPr>
+          <p:cNvPr id="83" name="フローチャート: 複数書類 82">
+            <a:extLst>
+              <a:ext uri="{FF2B5EF4-FFF2-40B4-BE49-F238E27FC236}">
+                <a16:creationId xmlns:a16="http://schemas.microsoft.com/office/drawing/2014/main" id="{6A884209-7C7E-0C43-20FF-16A0E2ADCB46}"/>
+              </a:ext>
+            </a:extLst>
+          </p:cNvPr>
+          <p:cNvSpPr/>
+          <p:nvPr/>
+        </p:nvSpPr>
+        <p:spPr>
+          <a:xfrm>
+            <a:off x="10016617" y="5301214"/>
+            <a:ext cx="1415144" cy="685800"/>
+          </a:xfrm>
+          <a:prstGeom prst="flowChartMultidocument">
+            <a:avLst/>
+          </a:prstGeom>
+          <a:solidFill>
+            <a:schemeClr val="bg1"/>
+          </a:solidFill>
+        </p:spPr>
+        <p:style>
+          <a:lnRef idx="2">
+            <a:schemeClr val="accent1">
+              <a:shade val="50000"/>
+            </a:schemeClr>
+          </a:lnRef>
+          <a:fillRef idx="1">
+            <a:schemeClr val="accent1"/>
+          </a:fillRef>
+          <a:effectRef idx="0">
+            <a:schemeClr val="accent1"/>
+          </a:effectRef>
+          <a:fontRef idx="minor">
+            <a:schemeClr val="lt1"/>
+          </a:fontRef>
+        </p:style>
+        <p:txBody>
+          <a:bodyPr rtlCol="0" anchor="ctr"/>
+          <a:lstStyle/>
+          <a:p>
+            <a:pPr algn="ctr"/>
+            <a:r>
+              <a:rPr kumimoji="1" lang="en-US" altLang="ja-JP" sz="1600" dirty="0">
+                <a:solidFill>
+                  <a:schemeClr val="tx1"/>
+                </a:solidFill>
+              </a:rPr>
+              <a:t>Results Value</a:t>
+            </a:r>
+            <a:endParaRPr kumimoji="1" lang="ja-JP" altLang="en-US" sz="1600" dirty="0">
+              <a:solidFill>
+                <a:schemeClr val="tx1"/>
+              </a:solidFill>
+            </a:endParaRPr>
+          </a:p>
+        </p:txBody>
+      </p:sp>
+      <p:sp>
+        <p:nvSpPr>
+          <p:cNvPr id="97" name="フローチャート: 複数書類 96">
+            <a:extLst>
+              <a:ext uri="{FF2B5EF4-FFF2-40B4-BE49-F238E27FC236}">
+                <a16:creationId xmlns:a16="http://schemas.microsoft.com/office/drawing/2014/main" id="{22445E4E-4BAA-19B9-3884-34B129AF377B}"/>
+              </a:ext>
+            </a:extLst>
+          </p:cNvPr>
+          <p:cNvSpPr/>
+          <p:nvPr/>
+        </p:nvSpPr>
+        <p:spPr>
+          <a:xfrm>
+            <a:off x="9971773" y="4048956"/>
+            <a:ext cx="1415144" cy="685800"/>
+          </a:xfrm>
+          <a:prstGeom prst="flowChartMultidocument">
+            <a:avLst/>
+          </a:prstGeom>
+          <a:solidFill>
+            <a:schemeClr val="bg1"/>
+          </a:solidFill>
+        </p:spPr>
+        <p:style>
+          <a:lnRef idx="2">
+            <a:schemeClr val="accent1">
+              <a:shade val="50000"/>
+            </a:schemeClr>
+          </a:lnRef>
+          <a:fillRef idx="1">
+            <a:schemeClr val="accent1"/>
+          </a:fillRef>
+          <a:effectRef idx="0">
+            <a:schemeClr val="accent1"/>
+          </a:effectRef>
+          <a:fontRef idx="minor">
+            <a:schemeClr val="lt1"/>
+          </a:fontRef>
+        </p:style>
+        <p:txBody>
+          <a:bodyPr rtlCol="0" anchor="ctr"/>
+          <a:lstStyle/>
+          <a:p>
+            <a:pPr algn="ctr"/>
+            <a:r>
+              <a:rPr kumimoji="1" lang="en-US" altLang="ja-JP" sz="1600" dirty="0">
+                <a:solidFill>
+                  <a:schemeClr val="tx1"/>
+                </a:solidFill>
+              </a:rPr>
+              <a:t>New Model File</a:t>
+            </a:r>
+            <a:endParaRPr kumimoji="1" lang="ja-JP" altLang="en-US" sz="1600" dirty="0">
+              <a:solidFill>
+                <a:schemeClr val="tx1"/>
+              </a:solidFill>
+            </a:endParaRPr>
+          </a:p>
+        </p:txBody>
+      </p:sp>
+      <p:cxnSp>
+        <p:nvCxnSpPr>
+          <p:cNvPr id="99" name="コネクタ: カギ線 98">
+            <a:extLst>
+              <a:ext uri="{FF2B5EF4-FFF2-40B4-BE49-F238E27FC236}">
+                <a16:creationId xmlns:a16="http://schemas.microsoft.com/office/drawing/2014/main" id="{988EE801-52F7-517A-E85F-86402A68B70C}"/>
+              </a:ext>
+            </a:extLst>
+          </p:cNvPr>
+          <p:cNvCxnSpPr>
+            <a:cxnSpLocks/>
+            <a:stCxn id="97" idx="1"/>
+            <a:endCxn id="92" idx="3"/>
+          </p:cNvCxnSpPr>
+          <p:nvPr/>
+        </p:nvCxnSpPr>
+        <p:spPr>
+          <a:xfrm rot="10800000">
+            <a:off x="8841033" y="2921608"/>
+            <a:ext cx="1130740" cy="1470249"/>
+          </a:xfrm>
+          <a:prstGeom prst="bentConnector3">
+            <a:avLst>
+              <a:gd name="adj1" fmla="val 50000"/>
+            </a:avLst>
+          </a:prstGeom>
+          <a:ln>
+            <a:solidFill>
+              <a:schemeClr val="tx1"/>
+            </a:solidFill>
+            <a:headEnd type="none" w="med" len="med"/>
+            <a:tailEnd type="triangle"/>
+          </a:ln>
+        </p:spPr>
+        <p:style>
+          <a:lnRef idx="1">
+            <a:schemeClr val="accent1"/>
+          </a:lnRef>
+          <a:fillRef idx="0">
+            <a:schemeClr val="accent1"/>
+          </a:fillRef>
+          <a:effectRef idx="0">
+            <a:schemeClr val="accent1"/>
+          </a:effectRef>
+          <a:fontRef idx="minor">
+            <a:schemeClr val="tx1"/>
+          </a:fontRef>
+        </p:style>
+      </p:cxnSp>
+      <p:cxnSp>
+        <p:nvCxnSpPr>
+          <p:cNvPr id="104" name="コネクタ: カギ線 103">
+            <a:extLst>
+              <a:ext uri="{FF2B5EF4-FFF2-40B4-BE49-F238E27FC236}">
+                <a16:creationId xmlns:a16="http://schemas.microsoft.com/office/drawing/2014/main" id="{BA15A493-1CA8-BFF1-0F8F-76DFF4596DDF}"/>
+              </a:ext>
+            </a:extLst>
+          </p:cNvPr>
+          <p:cNvCxnSpPr>
+            <a:cxnSpLocks/>
+            <a:stCxn id="61" idx="4"/>
+            <a:endCxn id="71" idx="0"/>
+          </p:cNvCxnSpPr>
+          <p:nvPr/>
+        </p:nvCxnSpPr>
+        <p:spPr>
+          <a:xfrm rot="16200000" flipH="1">
+            <a:off x="8088227" y="408466"/>
+            <a:ext cx="1648748" cy="3531468"/>
+          </a:xfrm>
+          <a:prstGeom prst="bentConnector3">
+            <a:avLst>
+              <a:gd name="adj1" fmla="val 34154"/>
+            </a:avLst>
+          </a:prstGeom>
+          <a:ln>
+            <a:solidFill>
+              <a:schemeClr val="tx1"/>
+            </a:solidFill>
+            <a:headEnd type="none" w="med" len="med"/>
+            <a:tailEnd type="triangle"/>
+          </a:ln>
+        </p:spPr>
+        <p:style>
+          <a:lnRef idx="1">
+            <a:schemeClr val="accent1"/>
+          </a:lnRef>
+          <a:fillRef idx="0">
+            <a:schemeClr val="accent1"/>
+          </a:fillRef>
+          <a:effectRef idx="0">
+            <a:schemeClr val="accent1"/>
+          </a:effectRef>
+          <a:fontRef idx="minor">
+            <a:schemeClr val="tx1"/>
+          </a:fontRef>
+        </p:style>
+      </p:cxnSp>
+      <p:sp>
+        <p:nvSpPr>
+          <p:cNvPr id="46" name="フローチャート: 複数書類 45">
+            <a:extLst>
+              <a:ext uri="{FF2B5EF4-FFF2-40B4-BE49-F238E27FC236}">
+                <a16:creationId xmlns:a16="http://schemas.microsoft.com/office/drawing/2014/main" id="{189960DF-9A48-5B94-F60B-5AFB1A69855E}"/>
+              </a:ext>
+            </a:extLst>
+          </p:cNvPr>
+          <p:cNvSpPr/>
+          <p:nvPr/>
+        </p:nvSpPr>
+        <p:spPr>
+          <a:xfrm>
+            <a:off x="6431415" y="964689"/>
+            <a:ext cx="1712324" cy="685800"/>
+          </a:xfrm>
+          <a:prstGeom prst="flowChartMultidocument">
+            <a:avLst/>
+          </a:prstGeom>
+          <a:solidFill>
+            <a:schemeClr val="bg1"/>
+          </a:solidFill>
+        </p:spPr>
+        <p:style>
+          <a:lnRef idx="2">
+            <a:schemeClr val="accent1">
+              <a:shade val="50000"/>
+            </a:schemeClr>
+          </a:lnRef>
+          <a:fillRef idx="1">
+            <a:schemeClr val="accent1"/>
+          </a:fillRef>
+          <a:effectRef idx="0">
+            <a:schemeClr val="accent1"/>
+          </a:effectRef>
+          <a:fontRef idx="minor">
+            <a:schemeClr val="lt1"/>
+          </a:fontRef>
+        </p:style>
+        <p:txBody>
+          <a:bodyPr rtlCol="0" anchor="ctr"/>
+          <a:lstStyle/>
+          <a:p>
+            <a:pPr algn="ctr"/>
+            <a:r>
+              <a:rPr kumimoji="1" lang="en-US" altLang="ja-JP" sz="1400" dirty="0">
+                <a:solidFill>
+                  <a:schemeClr val="tx1"/>
+                </a:solidFill>
+              </a:rPr>
+              <a:t>Operation Data for Model</a:t>
+            </a:r>
+            <a:endParaRPr kumimoji="1" lang="ja-JP" altLang="en-US" sz="1400" dirty="0">
+              <a:solidFill>
+                <a:schemeClr val="tx1"/>
+              </a:solidFill>
+            </a:endParaRPr>
+          </a:p>
+        </p:txBody>
+      </p:sp>
+      <p:sp>
+        <p:nvSpPr>
+          <p:cNvPr id="113" name="テキスト ボックス 112">
+            <a:extLst>
+              <a:ext uri="{FF2B5EF4-FFF2-40B4-BE49-F238E27FC236}">
+                <a16:creationId xmlns:a16="http://schemas.microsoft.com/office/drawing/2014/main" id="{CB6A40A6-FE7D-2B2D-6162-EC90FB2AFC4F}"/>
+              </a:ext>
+            </a:extLst>
+          </p:cNvPr>
+          <p:cNvSpPr txBox="1"/>
+          <p:nvPr/>
+        </p:nvSpPr>
+        <p:spPr>
+          <a:xfrm>
+            <a:off x="3475741" y="2355157"/>
+            <a:ext cx="639363" cy="307777"/>
+          </a:xfrm>
+          <a:prstGeom prst="rect">
+            <a:avLst/>
+          </a:prstGeom>
+          <a:noFill/>
+        </p:spPr>
+        <p:txBody>
+          <a:bodyPr wrap="square" rtlCol="0">
+            <a:spAutoFit/>
+          </a:bodyPr>
+          <a:lstStyle/>
+          <a:p>
+            <a:r>
+              <a:rPr kumimoji="1" lang="en-US" altLang="ja-JP" sz="1400" b="1" dirty="0">
+                <a:solidFill>
+                  <a:schemeClr val="accent1"/>
+                </a:solidFill>
+                <a:latin typeface="Arial" panose="020B0604020202020204" pitchFamily="34" charset="0"/>
+                <a:cs typeface="Arial" panose="020B0604020202020204" pitchFamily="34" charset="0"/>
+              </a:rPr>
+              <a:t>XRAI</a:t>
+            </a:r>
+            <a:endParaRPr kumimoji="1" lang="ja-JP" altLang="en-US" sz="1400" b="1" dirty="0">
+              <a:solidFill>
+                <a:schemeClr val="accent1"/>
+              </a:solidFill>
+              <a:latin typeface="Arial" panose="020B0604020202020204" pitchFamily="34" charset="0"/>
+              <a:cs typeface="Arial" panose="020B0604020202020204" pitchFamily="34" charset="0"/>
+            </a:endParaRPr>
+          </a:p>
+        </p:txBody>
+      </p:sp>
+      <p:sp>
+        <p:nvSpPr>
+          <p:cNvPr id="114" name="テキスト ボックス 113">
+            <a:extLst>
+              <a:ext uri="{FF2B5EF4-FFF2-40B4-BE49-F238E27FC236}">
+                <a16:creationId xmlns:a16="http://schemas.microsoft.com/office/drawing/2014/main" id="{1F1649F4-9668-F522-388D-DE8037146C0A}"/>
+              </a:ext>
+            </a:extLst>
+          </p:cNvPr>
+          <p:cNvSpPr txBox="1"/>
+          <p:nvPr/>
+        </p:nvSpPr>
+        <p:spPr>
+          <a:xfrm>
+            <a:off x="2529130" y="861931"/>
+            <a:ext cx="870883" cy="307777"/>
+          </a:xfrm>
+          <a:prstGeom prst="rect">
+            <a:avLst/>
+          </a:prstGeom>
+          <a:noFill/>
+        </p:spPr>
+        <p:txBody>
+          <a:bodyPr wrap="square" rtlCol="0">
+            <a:spAutoFit/>
+          </a:bodyPr>
+          <a:lstStyle/>
+          <a:p>
+            <a:pPr algn="ctr"/>
+            <a:r>
+              <a:rPr lang="en-US" altLang="ja-JP" sz="1400" b="1" dirty="0">
+                <a:solidFill>
+                  <a:schemeClr val="accent4"/>
+                </a:solidFill>
+                <a:latin typeface="Arial" panose="020B0604020202020204" pitchFamily="34" charset="0"/>
+                <a:cs typeface="Arial" panose="020B0604020202020204" pitchFamily="34" charset="0"/>
+              </a:rPr>
+              <a:t>ROCO</a:t>
+            </a:r>
+            <a:endParaRPr kumimoji="1" lang="ja-JP" altLang="en-US" sz="1400" b="1" dirty="0">
+              <a:solidFill>
+                <a:schemeClr val="accent4"/>
+              </a:solidFill>
+              <a:latin typeface="Arial" panose="020B0604020202020204" pitchFamily="34" charset="0"/>
+              <a:cs typeface="Arial" panose="020B0604020202020204" pitchFamily="34" charset="0"/>
+            </a:endParaRPr>
+          </a:p>
+        </p:txBody>
+      </p:sp>
+      <p:pic>
+        <p:nvPicPr>
+          <p:cNvPr id="116" name="グラフィックス 115" descr="コンピューター 単色塗りつぶし">
+            <a:extLst>
+              <a:ext uri="{FF2B5EF4-FFF2-40B4-BE49-F238E27FC236}">
+                <a16:creationId xmlns:a16="http://schemas.microsoft.com/office/drawing/2014/main" id="{0869C042-6A62-113C-CF3A-66E113BC9D0C}"/>
+              </a:ext>
+            </a:extLst>
+          </p:cNvPr>
+          <p:cNvPicPr>
+            <a:picLocks noChangeAspect="1"/>
+          </p:cNvPicPr>
+          <p:nvPr/>
+        </p:nvPicPr>
+        <p:blipFill>
+          <a:blip r:embed="rId5">
+            <a:extLst>
+              <a:ext uri="{28A0092B-C50C-407E-A947-70E740481C1C}">
+                <a14:useLocalDpi xmlns:a14="http://schemas.microsoft.com/office/drawing/2010/main" val="0"/>
+              </a:ext>
+              <a:ext uri="{96DAC541-7B7A-43D3-8B79-37D633B846F1}">
+                <asvg:svgBlip xmlns:asvg="http://schemas.microsoft.com/office/drawing/2016/SVG/main" r:embed="rId6"/>
+              </a:ext>
+            </a:extLst>
+          </a:blip>
+          <a:stretch>
+            <a:fillRect/>
+          </a:stretch>
+        </p:blipFill>
+        <p:spPr>
+          <a:xfrm>
+            <a:off x="1566324" y="5291694"/>
+            <a:ext cx="770243" cy="770243"/>
+          </a:xfrm>
+          <a:prstGeom prst="rect">
+            <a:avLst/>
+          </a:prstGeom>
+        </p:spPr>
+      </p:pic>
+    </p:spTree>
+    <p:extLst>
+      <p:ext uri="{BB962C8B-B14F-4D97-AF65-F5344CB8AC3E}">
+        <p14:creationId xmlns:p14="http://schemas.microsoft.com/office/powerpoint/2010/main" val="2153555571"/>
+      </p:ext>
+    </p:extLst>
+  </p:cSld>
+  <p:clrMapOvr>
+    <a:masterClrMapping/>
+  </p:clrMapOvr>
+</p:sld>
+</file>
+
+<file path=ppt/slides/slide14.xml><?xml version="1.0" encoding="utf-8"?>
+<p:sld xmlns:a="http://schemas.openxmlformats.org/drawingml/2006/main" xmlns:r="http://schemas.openxmlformats.org/officeDocument/2006/relationships" xmlns:p="http://schemas.openxmlformats.org/presentationml/2006/main">
+  <p:cSld>
+    <p:spTree>
+      <p:nvGrpSpPr>
+        <p:cNvPr id="1" name="">
+          <a:extLst>
+            <a:ext uri="{FF2B5EF4-FFF2-40B4-BE49-F238E27FC236}">
+              <a16:creationId xmlns:a16="http://schemas.microsoft.com/office/drawing/2014/main" id="{62ECC805-9DC5-C48A-A56D-26DCB1BF292F}"/>
+            </a:ext>
+          </a:extLst>
+        </p:cNvPr>
+        <p:cNvGrpSpPr/>
+        <p:nvPr/>
+      </p:nvGrpSpPr>
+      <p:grpSpPr>
+        <a:xfrm>
+          <a:off x="0" y="0"/>
+          <a:ext cx="0" cy="0"/>
+          <a:chOff x="0" y="0"/>
+          <a:chExt cx="0" cy="0"/>
+        </a:xfrm>
+      </p:grpSpPr>
+      <p:sp>
+        <p:nvSpPr>
+          <p:cNvPr id="70" name="正方形/長方形 69">
+            <a:extLst>
+              <a:ext uri="{FF2B5EF4-FFF2-40B4-BE49-F238E27FC236}">
+                <a16:creationId xmlns:a16="http://schemas.microsoft.com/office/drawing/2014/main" id="{522CF408-D41F-3366-542C-5606F2AB2BED}"/>
+              </a:ext>
+            </a:extLst>
+          </p:cNvPr>
+          <p:cNvSpPr/>
+          <p:nvPr/>
+        </p:nvSpPr>
+        <p:spPr>
+          <a:xfrm>
+            <a:off x="3423802" y="2355157"/>
+            <a:ext cx="5894369" cy="3663088"/>
+          </a:xfrm>
+          <a:prstGeom prst="rect">
+            <a:avLst/>
+          </a:prstGeom>
+          <a:solidFill>
+            <a:schemeClr val="accent6">
+              <a:lumMod val="20000"/>
+              <a:lumOff val="80000"/>
+            </a:schemeClr>
+          </a:solidFill>
+          <a:ln>
+            <a:noFill/>
+            <a:prstDash val="dash"/>
+          </a:ln>
+        </p:spPr>
+        <p:style>
+          <a:lnRef idx="2">
+            <a:schemeClr val="accent1">
+              <a:shade val="50000"/>
+            </a:schemeClr>
+          </a:lnRef>
+          <a:fillRef idx="1">
+            <a:schemeClr val="accent1"/>
+          </a:fillRef>
+          <a:effectRef idx="0">
+            <a:schemeClr val="accent1"/>
+          </a:effectRef>
+          <a:fontRef idx="minor">
+            <a:schemeClr val="lt1"/>
+          </a:fontRef>
+        </p:style>
+        <p:txBody>
+          <a:bodyPr rtlCol="0" anchor="ctr"/>
+          <a:lstStyle/>
+          <a:p>
+            <a:pPr algn="ctr"/>
+            <a:endParaRPr kumimoji="1" lang="ja-JP" altLang="en-US">
+              <a:solidFill>
+                <a:schemeClr val="tx1"/>
+              </a:solidFill>
+            </a:endParaRPr>
+          </a:p>
+        </p:txBody>
+      </p:sp>
+      <p:sp>
+        <p:nvSpPr>
+          <p:cNvPr id="35" name="フローチャート: 処理 34">
+            <a:extLst>
+              <a:ext uri="{FF2B5EF4-FFF2-40B4-BE49-F238E27FC236}">
+                <a16:creationId xmlns:a16="http://schemas.microsoft.com/office/drawing/2014/main" id="{67EC52CA-2CDB-C1DD-2C99-EFD15A0B34C5}"/>
+              </a:ext>
+            </a:extLst>
+          </p:cNvPr>
+          <p:cNvSpPr/>
+          <p:nvPr/>
+        </p:nvSpPr>
+        <p:spPr>
+          <a:xfrm>
+            <a:off x="4572069" y="2900652"/>
+            <a:ext cx="2334194" cy="1338901"/>
+          </a:xfrm>
+          <a:prstGeom prst="flowChartProcess">
+            <a:avLst/>
+          </a:prstGeom>
+          <a:solidFill>
+            <a:schemeClr val="bg1"/>
+          </a:solidFill>
+        </p:spPr>
+        <p:style>
+          <a:lnRef idx="2">
+            <a:schemeClr val="accent1">
+              <a:shade val="50000"/>
+            </a:schemeClr>
+          </a:lnRef>
+          <a:fillRef idx="1">
+            <a:schemeClr val="accent1"/>
+          </a:fillRef>
+          <a:effectRef idx="0">
+            <a:schemeClr val="accent1"/>
+          </a:effectRef>
+          <a:fontRef idx="minor">
+            <a:schemeClr val="lt1"/>
+          </a:fontRef>
+        </p:style>
+        <p:txBody>
+          <a:bodyPr rtlCol="0" anchor="ctr"/>
+          <a:lstStyle/>
+          <a:p>
+            <a:pPr algn="ctr"/>
+            <a:endParaRPr kumimoji="1" lang="ja-JP" altLang="en-US">
+              <a:solidFill>
+                <a:schemeClr val="tx1"/>
+              </a:solidFill>
+            </a:endParaRPr>
+          </a:p>
+        </p:txBody>
+      </p:sp>
+      <p:sp>
+        <p:nvSpPr>
+          <p:cNvPr id="2" name="タイトル 1">
+            <a:extLst>
+              <a:ext uri="{FF2B5EF4-FFF2-40B4-BE49-F238E27FC236}">
+                <a16:creationId xmlns:a16="http://schemas.microsoft.com/office/drawing/2014/main" id="{F43A5883-9ABC-DB16-6EF3-2E03DB1CCD50}"/>
+              </a:ext>
+            </a:extLst>
+          </p:cNvPr>
+          <p:cNvSpPr>
+            <a:spLocks noGrp="1"/>
+          </p:cNvSpPr>
+          <p:nvPr>
+            <p:ph type="title"/>
+          </p:nvPr>
+        </p:nvSpPr>
+        <p:spPr>
+          <a:xfrm>
+            <a:off x="517055" y="241034"/>
+            <a:ext cx="11400125" cy="518094"/>
+          </a:xfrm>
+        </p:spPr>
+        <p:txBody>
+          <a:bodyPr/>
+          <a:lstStyle/>
+          <a:p>
+            <a:r>
+              <a:rPr lang="ja-JP" altLang="en-US" dirty="0"/>
+              <a:t>現システム構成</a:t>
+            </a:r>
+            <a:endParaRPr lang="en-US" dirty="0"/>
+          </a:p>
+        </p:txBody>
+      </p:sp>
+      <p:sp>
+        <p:nvSpPr>
+          <p:cNvPr id="3" name="スライド番号プレースホルダー 2">
+            <a:extLst>
+              <a:ext uri="{FF2B5EF4-FFF2-40B4-BE49-F238E27FC236}">
+                <a16:creationId xmlns:a16="http://schemas.microsoft.com/office/drawing/2014/main" id="{A02D9A35-0339-CFAB-E0E1-0A632CB5AC08}"/>
+              </a:ext>
+            </a:extLst>
+          </p:cNvPr>
+          <p:cNvSpPr>
+            <a:spLocks noGrp="1"/>
+          </p:cNvSpPr>
+          <p:nvPr>
+            <p:ph type="sldNum" sz="quarter" idx="10"/>
+          </p:nvPr>
+        </p:nvSpPr>
+        <p:spPr/>
+        <p:txBody>
+          <a:bodyPr/>
+          <a:lstStyle/>
+          <a:p>
+            <a:fld id="{584EAAFE-CFE5-40AD-8E95-5BFF290DC5CF}" type="slidenum">
+              <a:rPr kumimoji="1" lang="ja-JP" altLang="en-US" smtClean="0"/>
+              <a:pPr/>
+              <a:t>14</a:t>
+            </a:fld>
+            <a:endParaRPr kumimoji="1" lang="ja-JP" altLang="en-US"/>
+          </a:p>
+        </p:txBody>
+      </p:sp>
+      <p:sp>
+        <p:nvSpPr>
+          <p:cNvPr id="8" name="テキスト ボックス 7">
+            <a:extLst>
+              <a:ext uri="{FF2B5EF4-FFF2-40B4-BE49-F238E27FC236}">
+                <a16:creationId xmlns:a16="http://schemas.microsoft.com/office/drawing/2014/main" id="{154C5117-2CC0-FB74-F631-275A9C9AA19B}"/>
+              </a:ext>
+            </a:extLst>
+          </p:cNvPr>
+          <p:cNvSpPr txBox="1"/>
+          <p:nvPr/>
+        </p:nvSpPr>
+        <p:spPr>
+          <a:xfrm>
+            <a:off x="571983" y="-20412"/>
+            <a:ext cx="4576959" cy="338554"/>
+          </a:xfrm>
+          <a:prstGeom prst="rect">
+            <a:avLst/>
+          </a:prstGeom>
+          <a:noFill/>
+        </p:spPr>
+        <p:txBody>
+          <a:bodyPr wrap="square" rtlCol="0">
+            <a:spAutoFit/>
+          </a:bodyPr>
+          <a:lstStyle/>
+          <a:p>
+            <a:r>
+              <a:rPr lang="en-US" altLang="ja-JP" sz="1600" b="1" dirty="0">
+                <a:solidFill>
+                  <a:schemeClr val="bg1"/>
+                </a:solidFill>
+              </a:rPr>
+              <a:t>3. On-site Demonstration System</a:t>
+            </a:r>
+            <a:endParaRPr kumimoji="1" lang="ja-JP" altLang="en-US" sz="1600" b="1" dirty="0">
+              <a:solidFill>
+                <a:schemeClr val="bg1"/>
+              </a:solidFill>
+            </a:endParaRPr>
+          </a:p>
+        </p:txBody>
+      </p:sp>
+      <p:sp>
+        <p:nvSpPr>
+          <p:cNvPr id="9" name="フローチャート: 磁気ディスク 8">
+            <a:extLst>
+              <a:ext uri="{FF2B5EF4-FFF2-40B4-BE49-F238E27FC236}">
+                <a16:creationId xmlns:a16="http://schemas.microsoft.com/office/drawing/2014/main" id="{62F81DC5-09E2-898A-F603-1437DF365674}"/>
+              </a:ext>
+            </a:extLst>
+          </p:cNvPr>
+          <p:cNvSpPr/>
+          <p:nvPr/>
+        </p:nvSpPr>
+        <p:spPr>
+          <a:xfrm>
+            <a:off x="1272356" y="4132809"/>
+            <a:ext cx="702129" cy="518094"/>
+          </a:xfrm>
+          <a:prstGeom prst="flowChartMagneticDisk">
+            <a:avLst/>
+          </a:prstGeom>
+          <a:solidFill>
+            <a:schemeClr val="bg1"/>
+          </a:solidFill>
+        </p:spPr>
+        <p:style>
+          <a:lnRef idx="2">
+            <a:schemeClr val="accent1">
+              <a:shade val="50000"/>
+            </a:schemeClr>
+          </a:lnRef>
+          <a:fillRef idx="1">
+            <a:schemeClr val="accent1"/>
+          </a:fillRef>
+          <a:effectRef idx="0">
+            <a:schemeClr val="accent1"/>
+          </a:effectRef>
+          <a:fontRef idx="minor">
+            <a:schemeClr val="lt1"/>
+          </a:fontRef>
+        </p:style>
+        <p:txBody>
+          <a:bodyPr rtlCol="0" anchor="ctr"/>
+          <a:lstStyle/>
+          <a:p>
+            <a:pPr algn="ctr"/>
+            <a:r>
+              <a:rPr kumimoji="1" lang="en-US" altLang="ja-JP" dirty="0">
+                <a:solidFill>
+                  <a:schemeClr val="tx1"/>
+                </a:solidFill>
+              </a:rPr>
+              <a:t>DB</a:t>
+            </a:r>
+            <a:endParaRPr kumimoji="1" lang="ja-JP" altLang="en-US" dirty="0">
+              <a:solidFill>
+                <a:schemeClr val="tx1"/>
+              </a:solidFill>
+            </a:endParaRPr>
+          </a:p>
+        </p:txBody>
+      </p:sp>
+      <p:sp>
+        <p:nvSpPr>
+          <p:cNvPr id="10" name="正方形/長方形 9">
+            <a:extLst>
+              <a:ext uri="{FF2B5EF4-FFF2-40B4-BE49-F238E27FC236}">
+                <a16:creationId xmlns:a16="http://schemas.microsoft.com/office/drawing/2014/main" id="{323D66B8-62E7-6C12-E94F-1F71D094134F}"/>
+              </a:ext>
+            </a:extLst>
+          </p:cNvPr>
+          <p:cNvSpPr/>
+          <p:nvPr/>
+        </p:nvSpPr>
+        <p:spPr>
+          <a:xfrm>
+            <a:off x="223883" y="2900652"/>
+            <a:ext cx="2848853" cy="724296"/>
+          </a:xfrm>
+          <a:prstGeom prst="rect">
+            <a:avLst/>
+          </a:prstGeom>
+          <a:noFill/>
+          <a:ln>
+            <a:solidFill>
+              <a:schemeClr val="accent4"/>
+            </a:solidFill>
+            <a:prstDash val="dash"/>
+          </a:ln>
+        </p:spPr>
+        <p:style>
+          <a:lnRef idx="2">
+            <a:schemeClr val="accent1">
+              <a:shade val="50000"/>
+            </a:schemeClr>
+          </a:lnRef>
+          <a:fillRef idx="1">
+            <a:schemeClr val="accent1"/>
+          </a:fillRef>
+          <a:effectRef idx="0">
+            <a:schemeClr val="accent1"/>
+          </a:effectRef>
+          <a:fontRef idx="minor">
+            <a:schemeClr val="lt1"/>
+          </a:fontRef>
+        </p:style>
+        <p:txBody>
+          <a:bodyPr rtlCol="0" anchor="ctr"/>
+          <a:lstStyle/>
+          <a:p>
+            <a:pPr algn="ctr"/>
+            <a:endParaRPr kumimoji="1" lang="ja-JP" altLang="en-US">
+              <a:solidFill>
+                <a:schemeClr val="tx1"/>
+              </a:solidFill>
+            </a:endParaRPr>
+          </a:p>
+        </p:txBody>
+      </p:sp>
+      <p:sp>
+        <p:nvSpPr>
+          <p:cNvPr id="16" name="テキスト ボックス 15">
+            <a:extLst>
+              <a:ext uri="{FF2B5EF4-FFF2-40B4-BE49-F238E27FC236}">
+                <a16:creationId xmlns:a16="http://schemas.microsoft.com/office/drawing/2014/main" id="{AA1F2A73-68AB-1D06-D4BA-FCD4991A2F5E}"/>
+              </a:ext>
+            </a:extLst>
+          </p:cNvPr>
+          <p:cNvSpPr txBox="1"/>
+          <p:nvPr/>
+        </p:nvSpPr>
+        <p:spPr>
+          <a:xfrm>
+            <a:off x="1892204" y="2559266"/>
+            <a:ext cx="1275059" cy="307777"/>
+          </a:xfrm>
+          <a:prstGeom prst="rect">
+            <a:avLst/>
+          </a:prstGeom>
+          <a:noFill/>
+        </p:spPr>
+        <p:txBody>
+          <a:bodyPr wrap="square" rtlCol="0">
+            <a:spAutoFit/>
+          </a:bodyPr>
+          <a:lstStyle/>
+          <a:p>
+            <a:pPr algn="ctr"/>
+            <a:r>
+              <a:rPr lang="en-US" altLang="ja-JP" sz="1400" b="1" dirty="0">
+                <a:solidFill>
+                  <a:schemeClr val="accent4"/>
+                </a:solidFill>
+                <a:latin typeface="Arial" panose="020B0604020202020204" pitchFamily="34" charset="0"/>
+                <a:cs typeface="Arial" panose="020B0604020202020204" pitchFamily="34" charset="0"/>
+              </a:rPr>
+              <a:t>CI Server</a:t>
+            </a:r>
+            <a:endParaRPr kumimoji="1" lang="ja-JP" altLang="en-US" sz="1400" b="1" dirty="0">
+              <a:solidFill>
+                <a:schemeClr val="accent4"/>
+              </a:solidFill>
+              <a:latin typeface="Arial" panose="020B0604020202020204" pitchFamily="34" charset="0"/>
+              <a:cs typeface="Arial" panose="020B0604020202020204" pitchFamily="34" charset="0"/>
+            </a:endParaRPr>
+          </a:p>
+        </p:txBody>
+      </p:sp>
+      <p:cxnSp>
+        <p:nvCxnSpPr>
+          <p:cNvPr id="19" name="直線矢印コネクタ 18">
+            <a:extLst>
+              <a:ext uri="{FF2B5EF4-FFF2-40B4-BE49-F238E27FC236}">
+                <a16:creationId xmlns:a16="http://schemas.microsoft.com/office/drawing/2014/main" id="{7E0909A6-60B3-7C25-FA41-27A971C60712}"/>
+              </a:ext>
+            </a:extLst>
+          </p:cNvPr>
+          <p:cNvCxnSpPr>
+            <a:cxnSpLocks/>
+            <a:stCxn id="41" idx="3"/>
+            <a:endCxn id="61" idx="2"/>
+          </p:cNvCxnSpPr>
+          <p:nvPr/>
+        </p:nvCxnSpPr>
+        <p:spPr>
+          <a:xfrm>
+            <a:off x="5598457" y="1262594"/>
+            <a:ext cx="1467304" cy="2759"/>
+          </a:xfrm>
+          <a:prstGeom prst="straightConnector1">
+            <a:avLst/>
+          </a:prstGeom>
+          <a:ln>
+            <a:solidFill>
+              <a:schemeClr val="tx1"/>
+            </a:solidFill>
+            <a:headEnd type="none" w="med" len="med"/>
+            <a:tailEnd type="triangle"/>
+          </a:ln>
+        </p:spPr>
+        <p:style>
+          <a:lnRef idx="1">
+            <a:schemeClr val="accent1"/>
+          </a:lnRef>
+          <a:fillRef idx="0">
+            <a:schemeClr val="accent1"/>
+          </a:fillRef>
+          <a:effectRef idx="0">
+            <a:schemeClr val="accent1"/>
+          </a:effectRef>
+          <a:fontRef idx="minor">
+            <a:schemeClr val="tx1"/>
+          </a:fontRef>
+        </p:style>
+      </p:cxnSp>
+      <p:cxnSp>
+        <p:nvCxnSpPr>
+          <p:cNvPr id="20" name="直線矢印コネクタ 19">
+            <a:extLst>
+              <a:ext uri="{FF2B5EF4-FFF2-40B4-BE49-F238E27FC236}">
+                <a16:creationId xmlns:a16="http://schemas.microsoft.com/office/drawing/2014/main" id="{4AA4B38F-94AC-1867-4335-135456C0202E}"/>
+              </a:ext>
+            </a:extLst>
+          </p:cNvPr>
+          <p:cNvCxnSpPr>
+            <a:cxnSpLocks/>
+            <a:stCxn id="116" idx="3"/>
+            <a:endCxn id="26" idx="1"/>
+          </p:cNvCxnSpPr>
+          <p:nvPr/>
+        </p:nvCxnSpPr>
+        <p:spPr>
+          <a:xfrm>
+            <a:off x="2336567" y="5676816"/>
+            <a:ext cx="1128960" cy="42"/>
+          </a:xfrm>
+          <a:prstGeom prst="straightConnector1">
+            <a:avLst/>
+          </a:prstGeom>
+          <a:ln>
+            <a:solidFill>
+              <a:schemeClr val="tx1"/>
+            </a:solidFill>
+            <a:headEnd type="none" w="med" len="med"/>
+            <a:tailEnd type="triangle"/>
+          </a:ln>
+        </p:spPr>
+        <p:style>
+          <a:lnRef idx="1">
+            <a:schemeClr val="accent1"/>
+          </a:lnRef>
+          <a:fillRef idx="0">
+            <a:schemeClr val="accent1"/>
+          </a:fillRef>
+          <a:effectRef idx="0">
+            <a:schemeClr val="accent1"/>
+          </a:effectRef>
+          <a:fontRef idx="minor">
+            <a:schemeClr val="tx1"/>
+          </a:fontRef>
+        </p:style>
+      </p:cxnSp>
+      <p:sp>
+        <p:nvSpPr>
+          <p:cNvPr id="21" name="正方形/長方形 20">
+            <a:extLst>
+              <a:ext uri="{FF2B5EF4-FFF2-40B4-BE49-F238E27FC236}">
+                <a16:creationId xmlns:a16="http://schemas.microsoft.com/office/drawing/2014/main" id="{95DF7684-313C-FDC8-9D99-3880D24C3239}"/>
+              </a:ext>
+            </a:extLst>
+          </p:cNvPr>
+          <p:cNvSpPr/>
+          <p:nvPr/>
+        </p:nvSpPr>
+        <p:spPr>
+          <a:xfrm>
+            <a:off x="3342796" y="839756"/>
+            <a:ext cx="8543304" cy="5283457"/>
+          </a:xfrm>
+          <a:prstGeom prst="rect">
+            <a:avLst/>
+          </a:prstGeom>
+          <a:noFill/>
+          <a:ln>
+            <a:solidFill>
+              <a:schemeClr val="accent4"/>
+            </a:solidFill>
+            <a:prstDash val="dash"/>
+          </a:ln>
+        </p:spPr>
+        <p:style>
+          <a:lnRef idx="2">
+            <a:schemeClr val="accent1">
+              <a:shade val="50000"/>
+            </a:schemeClr>
+          </a:lnRef>
+          <a:fillRef idx="1">
+            <a:schemeClr val="accent1"/>
+          </a:fillRef>
+          <a:effectRef idx="0">
+            <a:schemeClr val="accent1"/>
+          </a:effectRef>
+          <a:fontRef idx="minor">
+            <a:schemeClr val="lt1"/>
+          </a:fontRef>
+        </p:style>
+        <p:txBody>
+          <a:bodyPr rtlCol="0" anchor="ctr"/>
+          <a:lstStyle/>
+          <a:p>
+            <a:pPr algn="ctr"/>
+            <a:endParaRPr kumimoji="1" lang="ja-JP" altLang="en-US">
+              <a:solidFill>
+                <a:schemeClr val="tx1"/>
+              </a:solidFill>
+            </a:endParaRPr>
+          </a:p>
+        </p:txBody>
+      </p:sp>
+      <p:pic>
+        <p:nvPicPr>
+          <p:cNvPr id="25" name="グラフィックス 24" descr="ユーザー 単色塗りつぶし">
+            <a:extLst>
+              <a:ext uri="{FF2B5EF4-FFF2-40B4-BE49-F238E27FC236}">
+                <a16:creationId xmlns:a16="http://schemas.microsoft.com/office/drawing/2014/main" id="{73B1F3BD-4E1A-BA6B-62F9-25C97D540677}"/>
+              </a:ext>
+            </a:extLst>
+          </p:cNvPr>
+          <p:cNvPicPr>
+            <a:picLocks noChangeAspect="1"/>
+          </p:cNvPicPr>
+          <p:nvPr/>
+        </p:nvPicPr>
+        <p:blipFill>
+          <a:blip r:embed="rId3">
+            <a:extLst>
+              <a:ext uri="{28A0092B-C50C-407E-A947-70E740481C1C}">
+                <a14:useLocalDpi xmlns:a14="http://schemas.microsoft.com/office/drawing/2010/main" val="0"/>
+              </a:ext>
+              <a:ext uri="{96DAC541-7B7A-43D3-8B79-37D633B846F1}">
+                <asvg:svgBlip xmlns:asvg="http://schemas.microsoft.com/office/drawing/2016/SVG/main" r:embed="rId4"/>
+              </a:ext>
+            </a:extLst>
+          </a:blip>
+          <a:stretch>
+            <a:fillRect/>
+          </a:stretch>
+        </p:blipFill>
+        <p:spPr>
+          <a:xfrm>
+            <a:off x="913521" y="5355730"/>
+            <a:ext cx="642257" cy="642257"/>
+          </a:xfrm>
+          <a:prstGeom prst="rect">
+            <a:avLst/>
+          </a:prstGeom>
+        </p:spPr>
+      </p:pic>
+      <p:sp>
+        <p:nvSpPr>
+          <p:cNvPr id="26" name="フローチャート: 処理 25">
+            <a:extLst>
+              <a:ext uri="{FF2B5EF4-FFF2-40B4-BE49-F238E27FC236}">
+                <a16:creationId xmlns:a16="http://schemas.microsoft.com/office/drawing/2014/main" id="{0C1977DC-4A3C-54DC-C267-6A4D62929362}"/>
+              </a:ext>
+            </a:extLst>
+          </p:cNvPr>
+          <p:cNvSpPr/>
+          <p:nvPr/>
+        </p:nvSpPr>
+        <p:spPr>
+          <a:xfrm>
+            <a:off x="3465527" y="5417811"/>
+            <a:ext cx="1883351" cy="518094"/>
+          </a:xfrm>
+          <a:prstGeom prst="flowChartProcess">
+            <a:avLst/>
+          </a:prstGeom>
+          <a:solidFill>
+            <a:schemeClr val="accent1"/>
+          </a:solidFill>
+        </p:spPr>
+        <p:style>
+          <a:lnRef idx="2">
+            <a:schemeClr val="accent1">
+              <a:shade val="50000"/>
+            </a:schemeClr>
+          </a:lnRef>
+          <a:fillRef idx="1">
+            <a:schemeClr val="accent1"/>
+          </a:fillRef>
+          <a:effectRef idx="0">
+            <a:schemeClr val="accent1"/>
+          </a:effectRef>
+          <a:fontRef idx="minor">
+            <a:schemeClr val="lt1"/>
+          </a:fontRef>
+        </p:style>
+        <p:txBody>
+          <a:bodyPr rtlCol="0" anchor="ctr"/>
+          <a:lstStyle/>
+          <a:p>
+            <a:pPr algn="ctr"/>
+            <a:r>
+              <a:rPr kumimoji="1" lang="en-US" altLang="ja-JP" dirty="0">
+                <a:solidFill>
+                  <a:schemeClr val="bg1"/>
+                </a:solidFill>
+              </a:rPr>
+              <a:t>Dashboard</a:t>
+            </a:r>
+            <a:endParaRPr kumimoji="1" lang="ja-JP" altLang="en-US" dirty="0">
+              <a:solidFill>
+                <a:schemeClr val="bg1"/>
+              </a:solidFill>
+            </a:endParaRPr>
+          </a:p>
+        </p:txBody>
+      </p:sp>
+      <p:sp>
+        <p:nvSpPr>
+          <p:cNvPr id="32" name="フローチャート: 処理 31">
+            <a:extLst>
+              <a:ext uri="{FF2B5EF4-FFF2-40B4-BE49-F238E27FC236}">
+                <a16:creationId xmlns:a16="http://schemas.microsoft.com/office/drawing/2014/main" id="{050A439D-5ACC-4181-F732-74E926FDA61D}"/>
+              </a:ext>
+            </a:extLst>
+          </p:cNvPr>
+          <p:cNvSpPr/>
+          <p:nvPr/>
+        </p:nvSpPr>
+        <p:spPr>
+          <a:xfrm>
+            <a:off x="7213302" y="3451081"/>
+            <a:ext cx="1883351" cy="518094"/>
+          </a:xfrm>
+          <a:prstGeom prst="flowChartProcess">
+            <a:avLst/>
+          </a:prstGeom>
+          <a:solidFill>
+            <a:schemeClr val="accent1"/>
+          </a:solidFill>
+        </p:spPr>
+        <p:style>
+          <a:lnRef idx="2">
+            <a:schemeClr val="accent1">
+              <a:shade val="50000"/>
+            </a:schemeClr>
+          </a:lnRef>
+          <a:fillRef idx="1">
+            <a:schemeClr val="accent1"/>
+          </a:fillRef>
+          <a:effectRef idx="0">
+            <a:schemeClr val="accent1"/>
+          </a:effectRef>
+          <a:fontRef idx="minor">
+            <a:schemeClr val="lt1"/>
+          </a:fontRef>
+        </p:style>
+        <p:txBody>
+          <a:bodyPr rtlCol="0" anchor="ctr"/>
+          <a:lstStyle/>
+          <a:p>
+            <a:pPr algn="ctr"/>
+            <a:r>
+              <a:rPr kumimoji="1" lang="en-US" altLang="ja-JP" dirty="0">
+                <a:solidFill>
+                  <a:schemeClr val="bg1"/>
+                </a:solidFill>
+              </a:rPr>
+              <a:t>Execute Optimization</a:t>
+            </a:r>
+            <a:endParaRPr kumimoji="1" lang="ja-JP" altLang="en-US" dirty="0">
+              <a:solidFill>
+                <a:schemeClr val="bg1"/>
+              </a:solidFill>
+            </a:endParaRPr>
+          </a:p>
+        </p:txBody>
+      </p:sp>
+      <p:sp>
+        <p:nvSpPr>
+          <p:cNvPr id="33" name="フローチャート: 処理 32">
+            <a:extLst>
+              <a:ext uri="{FF2B5EF4-FFF2-40B4-BE49-F238E27FC236}">
+                <a16:creationId xmlns:a16="http://schemas.microsoft.com/office/drawing/2014/main" id="{E180D500-361C-62D1-3C28-D859B12F4EAA}"/>
+              </a:ext>
+            </a:extLst>
+          </p:cNvPr>
+          <p:cNvSpPr/>
+          <p:nvPr/>
+        </p:nvSpPr>
+        <p:spPr>
+          <a:xfrm>
+            <a:off x="4805344" y="2998574"/>
+            <a:ext cx="1883351" cy="518094"/>
+          </a:xfrm>
+          <a:prstGeom prst="flowChartProcess">
+            <a:avLst/>
+          </a:prstGeom>
+          <a:solidFill>
+            <a:schemeClr val="accent1"/>
+          </a:solidFill>
+        </p:spPr>
+        <p:style>
+          <a:lnRef idx="2">
+            <a:schemeClr val="accent1">
+              <a:shade val="50000"/>
+            </a:schemeClr>
+          </a:lnRef>
+          <a:fillRef idx="1">
+            <a:schemeClr val="accent1"/>
+          </a:fillRef>
+          <a:effectRef idx="0">
+            <a:schemeClr val="accent1"/>
+          </a:effectRef>
+          <a:fontRef idx="minor">
+            <a:schemeClr val="lt1"/>
+          </a:fontRef>
+        </p:style>
+        <p:txBody>
+          <a:bodyPr rtlCol="0" anchor="ctr"/>
+          <a:lstStyle/>
+          <a:p>
+            <a:pPr algn="ctr"/>
+            <a:r>
+              <a:rPr kumimoji="1" lang="en-US" altLang="ja-JP" dirty="0">
+                <a:solidFill>
+                  <a:schemeClr val="bg1"/>
+                </a:solidFill>
+              </a:rPr>
+              <a:t>Execute Normalization</a:t>
+            </a:r>
+            <a:endParaRPr kumimoji="1" lang="ja-JP" altLang="en-US" dirty="0">
+              <a:solidFill>
+                <a:schemeClr val="bg1"/>
+              </a:solidFill>
+            </a:endParaRPr>
+          </a:p>
+        </p:txBody>
+      </p:sp>
+      <p:sp>
+        <p:nvSpPr>
+          <p:cNvPr id="34" name="フローチャート: 処理 33">
+            <a:extLst>
+              <a:ext uri="{FF2B5EF4-FFF2-40B4-BE49-F238E27FC236}">
+                <a16:creationId xmlns:a16="http://schemas.microsoft.com/office/drawing/2014/main" id="{688C5A58-3F75-E1B8-EE8C-DB793DDD8513}"/>
+              </a:ext>
+            </a:extLst>
+          </p:cNvPr>
+          <p:cNvSpPr/>
+          <p:nvPr/>
+        </p:nvSpPr>
+        <p:spPr>
+          <a:xfrm>
+            <a:off x="4805344" y="3597296"/>
+            <a:ext cx="1883351" cy="518094"/>
+          </a:xfrm>
+          <a:prstGeom prst="flowChartProcess">
+            <a:avLst/>
+          </a:prstGeom>
+          <a:solidFill>
+            <a:schemeClr val="accent1"/>
+          </a:solidFill>
+        </p:spPr>
+        <p:style>
+          <a:lnRef idx="2">
+            <a:schemeClr val="accent1">
+              <a:shade val="50000"/>
+            </a:schemeClr>
+          </a:lnRef>
+          <a:fillRef idx="1">
+            <a:schemeClr val="accent1"/>
+          </a:fillRef>
+          <a:effectRef idx="0">
+            <a:schemeClr val="accent1"/>
+          </a:effectRef>
+          <a:fontRef idx="minor">
+            <a:schemeClr val="lt1"/>
+          </a:fontRef>
+        </p:style>
+        <p:txBody>
+          <a:bodyPr rtlCol="0" anchor="ctr"/>
+          <a:lstStyle/>
+          <a:p>
+            <a:pPr algn="ctr"/>
+            <a:r>
+              <a:rPr kumimoji="1" lang="en-US" altLang="ja-JP" dirty="0">
+                <a:solidFill>
+                  <a:schemeClr val="bg1"/>
+                </a:solidFill>
+              </a:rPr>
+              <a:t>Calculate LRV &amp; Recovery Rate</a:t>
+            </a:r>
+            <a:endParaRPr kumimoji="1" lang="ja-JP" altLang="en-US" dirty="0">
+              <a:solidFill>
+                <a:schemeClr val="bg1"/>
+              </a:solidFill>
+            </a:endParaRPr>
+          </a:p>
+        </p:txBody>
+      </p:sp>
+      <p:sp>
+        <p:nvSpPr>
+          <p:cNvPr id="36" name="テキスト ボックス 35">
+            <a:extLst>
+              <a:ext uri="{FF2B5EF4-FFF2-40B4-BE49-F238E27FC236}">
+                <a16:creationId xmlns:a16="http://schemas.microsoft.com/office/drawing/2014/main" id="{9DA16EA5-DA30-9042-B780-A976D012E044}"/>
+              </a:ext>
+            </a:extLst>
+          </p:cNvPr>
+          <p:cNvSpPr txBox="1"/>
+          <p:nvPr/>
+        </p:nvSpPr>
+        <p:spPr>
+          <a:xfrm>
+            <a:off x="4572069" y="2592875"/>
+            <a:ext cx="1275059" cy="307777"/>
+          </a:xfrm>
+          <a:prstGeom prst="rect">
+            <a:avLst/>
+          </a:prstGeom>
+          <a:noFill/>
+        </p:spPr>
+        <p:txBody>
+          <a:bodyPr wrap="square" rtlCol="0">
+            <a:spAutoFit/>
+          </a:bodyPr>
+          <a:lstStyle/>
+          <a:p>
+            <a:r>
+              <a:rPr kumimoji="1" lang="en-US" altLang="ja-JP" sz="1400" dirty="0">
+                <a:latin typeface="Arial" panose="020B0604020202020204" pitchFamily="34" charset="0"/>
+                <a:cs typeface="Arial" panose="020B0604020202020204" pitchFamily="34" charset="0"/>
+              </a:rPr>
+              <a:t>Functions</a:t>
+            </a:r>
+            <a:endParaRPr kumimoji="1" lang="ja-JP" altLang="en-US" sz="1400" dirty="0">
+              <a:latin typeface="Arial" panose="020B0604020202020204" pitchFamily="34" charset="0"/>
+              <a:cs typeface="Arial" panose="020B0604020202020204" pitchFamily="34" charset="0"/>
+            </a:endParaRPr>
+          </a:p>
+        </p:txBody>
+      </p:sp>
+      <p:sp>
+        <p:nvSpPr>
+          <p:cNvPr id="41" name="フローチャート: 処理 40">
+            <a:extLst>
+              <a:ext uri="{FF2B5EF4-FFF2-40B4-BE49-F238E27FC236}">
+                <a16:creationId xmlns:a16="http://schemas.microsoft.com/office/drawing/2014/main" id="{A1090725-BF8A-E9FA-ED8C-B27FCE246C76}"/>
+              </a:ext>
+            </a:extLst>
+          </p:cNvPr>
+          <p:cNvSpPr/>
+          <p:nvPr/>
+        </p:nvSpPr>
+        <p:spPr>
+          <a:xfrm>
+            <a:off x="3526771" y="1003547"/>
+            <a:ext cx="2071686" cy="518094"/>
+          </a:xfrm>
+          <a:prstGeom prst="flowChartProcess">
+            <a:avLst/>
+          </a:prstGeom>
+          <a:solidFill>
+            <a:schemeClr val="accent1"/>
+          </a:solidFill>
+        </p:spPr>
+        <p:style>
+          <a:lnRef idx="2">
+            <a:schemeClr val="accent1">
+              <a:shade val="50000"/>
+            </a:schemeClr>
+          </a:lnRef>
+          <a:fillRef idx="1">
+            <a:schemeClr val="accent1"/>
+          </a:fillRef>
+          <a:effectRef idx="0">
+            <a:schemeClr val="accent1"/>
+          </a:effectRef>
+          <a:fontRef idx="minor">
+            <a:schemeClr val="lt1"/>
+          </a:fontRef>
+        </p:style>
+        <p:txBody>
+          <a:bodyPr rtlCol="0" anchor="ctr"/>
+          <a:lstStyle/>
+          <a:p>
+            <a:pPr algn="ctr"/>
+            <a:r>
+              <a:rPr kumimoji="1" lang="en-US" altLang="ja-JP" dirty="0">
+                <a:solidFill>
+                  <a:schemeClr val="bg1"/>
+                </a:solidFill>
+              </a:rPr>
+              <a:t>Preprocess Data for Model</a:t>
+            </a:r>
+            <a:endParaRPr kumimoji="1" lang="ja-JP" altLang="en-US" dirty="0">
+              <a:solidFill>
+                <a:schemeClr val="bg1"/>
+              </a:solidFill>
+            </a:endParaRPr>
+          </a:p>
+        </p:txBody>
+      </p:sp>
+      <p:cxnSp>
+        <p:nvCxnSpPr>
+          <p:cNvPr id="45" name="コネクタ: カギ線 44">
+            <a:extLst>
+              <a:ext uri="{FF2B5EF4-FFF2-40B4-BE49-F238E27FC236}">
+                <a16:creationId xmlns:a16="http://schemas.microsoft.com/office/drawing/2014/main" id="{3D48ECAC-5B14-DBAB-FB08-5450E9AF2BF7}"/>
+              </a:ext>
+            </a:extLst>
+          </p:cNvPr>
+          <p:cNvCxnSpPr>
+            <a:stCxn id="9" idx="1"/>
+            <a:endCxn id="41" idx="1"/>
+          </p:cNvCxnSpPr>
+          <p:nvPr/>
+        </p:nvCxnSpPr>
+        <p:spPr>
+          <a:xfrm rot="5400000" flipH="1" flipV="1">
+            <a:off x="1139989" y="1746027"/>
+            <a:ext cx="2870215" cy="1903350"/>
+          </a:xfrm>
+          <a:prstGeom prst="bentConnector2">
+            <a:avLst/>
+          </a:prstGeom>
+          <a:ln>
+            <a:solidFill>
+              <a:schemeClr val="tx1"/>
+            </a:solidFill>
+            <a:headEnd type="none" w="med" len="med"/>
+            <a:tailEnd type="triangle"/>
+          </a:ln>
+        </p:spPr>
+        <p:style>
+          <a:lnRef idx="1">
+            <a:schemeClr val="accent1"/>
+          </a:lnRef>
+          <a:fillRef idx="0">
+            <a:schemeClr val="accent1"/>
+          </a:fillRef>
+          <a:effectRef idx="0">
+            <a:schemeClr val="accent1"/>
+          </a:effectRef>
+          <a:fontRef idx="minor">
+            <a:schemeClr val="tx1"/>
+          </a:fontRef>
+        </p:style>
+      </p:cxnSp>
+      <p:sp>
+        <p:nvSpPr>
+          <p:cNvPr id="15" name="フローチャート: 複数書類 14">
+            <a:extLst>
+              <a:ext uri="{FF2B5EF4-FFF2-40B4-BE49-F238E27FC236}">
+                <a16:creationId xmlns:a16="http://schemas.microsoft.com/office/drawing/2014/main" id="{D575951B-6F2C-6E4C-C4E5-DDC3AFD57DC5}"/>
+              </a:ext>
+            </a:extLst>
+          </p:cNvPr>
+          <p:cNvSpPr/>
+          <p:nvPr/>
+        </p:nvSpPr>
+        <p:spPr>
+          <a:xfrm>
+            <a:off x="915849" y="956054"/>
+            <a:ext cx="1415144" cy="685800"/>
+          </a:xfrm>
+          <a:prstGeom prst="flowChartMultidocument">
+            <a:avLst/>
+          </a:prstGeom>
+          <a:solidFill>
+            <a:schemeClr val="bg1"/>
+          </a:solidFill>
+        </p:spPr>
+        <p:style>
+          <a:lnRef idx="2">
+            <a:schemeClr val="accent1">
+              <a:shade val="50000"/>
+            </a:schemeClr>
+          </a:lnRef>
+          <a:fillRef idx="1">
+            <a:schemeClr val="accent1"/>
+          </a:fillRef>
+          <a:effectRef idx="0">
+            <a:schemeClr val="accent1"/>
+          </a:effectRef>
+          <a:fontRef idx="minor">
+            <a:schemeClr val="lt1"/>
+          </a:fontRef>
+        </p:style>
+        <p:txBody>
+          <a:bodyPr rtlCol="0" anchor="ctr"/>
+          <a:lstStyle/>
+          <a:p>
+            <a:pPr algn="ctr"/>
+            <a:r>
+              <a:rPr kumimoji="1" lang="en-US" altLang="ja-JP" sz="1600" dirty="0">
+                <a:solidFill>
+                  <a:schemeClr val="tx1"/>
+                </a:solidFill>
+              </a:rPr>
+              <a:t>Operation Data</a:t>
+            </a:r>
+            <a:endParaRPr kumimoji="1" lang="ja-JP" altLang="en-US" sz="1600" dirty="0">
+              <a:solidFill>
+                <a:schemeClr val="tx1"/>
+              </a:solidFill>
+            </a:endParaRPr>
+          </a:p>
+        </p:txBody>
+      </p:sp>
+      <p:sp>
+        <p:nvSpPr>
+          <p:cNvPr id="13" name="フローチャート: 処理 12">
+            <a:extLst>
+              <a:ext uri="{FF2B5EF4-FFF2-40B4-BE49-F238E27FC236}">
+                <a16:creationId xmlns:a16="http://schemas.microsoft.com/office/drawing/2014/main" id="{4FB62135-B68A-1FEC-112F-12E23EDF38BD}"/>
+              </a:ext>
+            </a:extLst>
+          </p:cNvPr>
+          <p:cNvSpPr/>
+          <p:nvPr/>
+        </p:nvSpPr>
+        <p:spPr>
+          <a:xfrm>
+            <a:off x="370051" y="2990704"/>
+            <a:ext cx="2506740" cy="518094"/>
+          </a:xfrm>
+          <a:prstGeom prst="flowChartProcess">
+            <a:avLst/>
+          </a:prstGeom>
+          <a:solidFill>
+            <a:schemeClr val="accent1"/>
+          </a:solidFill>
+        </p:spPr>
+        <p:style>
+          <a:lnRef idx="2">
+            <a:schemeClr val="accent1">
+              <a:shade val="50000"/>
+            </a:schemeClr>
+          </a:lnRef>
+          <a:fillRef idx="1">
+            <a:schemeClr val="accent1"/>
+          </a:fillRef>
+          <a:effectRef idx="0">
+            <a:schemeClr val="accent1"/>
+          </a:effectRef>
+          <a:fontRef idx="minor">
+            <a:schemeClr val="lt1"/>
+          </a:fontRef>
+        </p:style>
+        <p:txBody>
+          <a:bodyPr rtlCol="0" anchor="ctr"/>
+          <a:lstStyle/>
+          <a:p>
+            <a:pPr algn="ctr"/>
+            <a:r>
+              <a:rPr kumimoji="1" lang="en-US" altLang="ja-JP" dirty="0">
+                <a:solidFill>
+                  <a:schemeClr val="bg1"/>
+                </a:solidFill>
+              </a:rPr>
+              <a:t>Preprocess Data</a:t>
+            </a:r>
+            <a:endParaRPr kumimoji="1" lang="ja-JP" altLang="en-US" dirty="0">
+              <a:solidFill>
+                <a:schemeClr val="bg1"/>
+              </a:solidFill>
+            </a:endParaRPr>
+          </a:p>
+        </p:txBody>
+      </p:sp>
+      <p:cxnSp>
+        <p:nvCxnSpPr>
+          <p:cNvPr id="47" name="コネクタ: カギ線 46">
+            <a:extLst>
+              <a:ext uri="{FF2B5EF4-FFF2-40B4-BE49-F238E27FC236}">
+                <a16:creationId xmlns:a16="http://schemas.microsoft.com/office/drawing/2014/main" id="{689A6F20-9104-7423-B405-3C22DF4362F2}"/>
+              </a:ext>
+            </a:extLst>
+          </p:cNvPr>
+          <p:cNvCxnSpPr>
+            <a:cxnSpLocks/>
+            <a:stCxn id="61" idx="4"/>
+            <a:endCxn id="26" idx="0"/>
+          </p:cNvCxnSpPr>
+          <p:nvPr/>
+        </p:nvCxnSpPr>
+        <p:spPr>
+          <a:xfrm rot="5400000">
+            <a:off x="3743043" y="2013986"/>
+            <a:ext cx="4067985" cy="2739664"/>
+          </a:xfrm>
+          <a:prstGeom prst="bentConnector3">
+            <a:avLst>
+              <a:gd name="adj1" fmla="val 13875"/>
+            </a:avLst>
+          </a:prstGeom>
+          <a:ln>
+            <a:solidFill>
+              <a:schemeClr val="tx1"/>
+            </a:solidFill>
+            <a:headEnd type="none" w="med" len="med"/>
+            <a:tailEnd type="triangle"/>
+          </a:ln>
+        </p:spPr>
+        <p:style>
+          <a:lnRef idx="1">
+            <a:schemeClr val="accent1"/>
+          </a:lnRef>
+          <a:fillRef idx="0">
+            <a:schemeClr val="accent1"/>
+          </a:fillRef>
+          <a:effectRef idx="0">
+            <a:schemeClr val="accent1"/>
+          </a:effectRef>
+          <a:fontRef idx="minor">
+            <a:schemeClr val="tx1"/>
+          </a:fontRef>
+        </p:style>
+      </p:cxnSp>
+      <p:cxnSp>
+        <p:nvCxnSpPr>
+          <p:cNvPr id="52" name="コネクタ: カギ線 51">
+            <a:extLst>
+              <a:ext uri="{FF2B5EF4-FFF2-40B4-BE49-F238E27FC236}">
+                <a16:creationId xmlns:a16="http://schemas.microsoft.com/office/drawing/2014/main" id="{56B3FD0D-4175-CFAD-549A-A1D929F5CF07}"/>
+              </a:ext>
+            </a:extLst>
+          </p:cNvPr>
+          <p:cNvCxnSpPr>
+            <a:cxnSpLocks/>
+            <a:stCxn id="61" idx="4"/>
+            <a:endCxn id="35" idx="0"/>
+          </p:cNvCxnSpPr>
+          <p:nvPr/>
+        </p:nvCxnSpPr>
+        <p:spPr>
+          <a:xfrm rot="5400000">
+            <a:off x="5667604" y="1421389"/>
+            <a:ext cx="1550826" cy="1407701"/>
+          </a:xfrm>
+          <a:prstGeom prst="bentConnector3">
+            <a:avLst>
+              <a:gd name="adj1" fmla="val 35961"/>
+            </a:avLst>
+          </a:prstGeom>
+          <a:ln>
+            <a:solidFill>
+              <a:schemeClr val="tx1"/>
+            </a:solidFill>
+            <a:headEnd type="none" w="med" len="med"/>
+            <a:tailEnd type="triangle"/>
+          </a:ln>
+        </p:spPr>
+        <p:style>
+          <a:lnRef idx="1">
+            <a:schemeClr val="accent1"/>
+          </a:lnRef>
+          <a:fillRef idx="0">
+            <a:schemeClr val="accent1"/>
+          </a:fillRef>
+          <a:effectRef idx="0">
+            <a:schemeClr val="accent1"/>
+          </a:effectRef>
+          <a:fontRef idx="minor">
+            <a:schemeClr val="tx1"/>
+          </a:fontRef>
+        </p:style>
+      </p:cxnSp>
+      <p:sp>
+        <p:nvSpPr>
+          <p:cNvPr id="61" name="楕円 60">
+            <a:extLst>
+              <a:ext uri="{FF2B5EF4-FFF2-40B4-BE49-F238E27FC236}">
+                <a16:creationId xmlns:a16="http://schemas.microsoft.com/office/drawing/2014/main" id="{F1D25598-95D1-230C-C9A2-0D0CEF65B883}"/>
+              </a:ext>
+            </a:extLst>
+          </p:cNvPr>
+          <p:cNvSpPr/>
+          <p:nvPr/>
+        </p:nvSpPr>
+        <p:spPr>
+          <a:xfrm>
+            <a:off x="7065761" y="1180879"/>
+            <a:ext cx="162212" cy="168947"/>
+          </a:xfrm>
+          <a:prstGeom prst="ellipse">
+            <a:avLst/>
+          </a:prstGeom>
+          <a:solidFill>
+            <a:schemeClr val="bg1"/>
+          </a:solidFill>
+        </p:spPr>
+        <p:style>
+          <a:lnRef idx="2">
+            <a:schemeClr val="accent1">
+              <a:shade val="50000"/>
+            </a:schemeClr>
+          </a:lnRef>
+          <a:fillRef idx="1">
+            <a:schemeClr val="accent1"/>
+          </a:fillRef>
+          <a:effectRef idx="0">
+            <a:schemeClr val="accent1"/>
+          </a:effectRef>
+          <a:fontRef idx="minor">
+            <a:schemeClr val="lt1"/>
+          </a:fontRef>
+        </p:style>
+        <p:txBody>
+          <a:bodyPr rtlCol="0" anchor="ctr"/>
+          <a:lstStyle/>
+          <a:p>
+            <a:pPr algn="ctr"/>
+            <a:endParaRPr kumimoji="1" lang="ja-JP" altLang="en-US">
+              <a:solidFill>
+                <a:schemeClr val="tx1"/>
+              </a:solidFill>
+            </a:endParaRPr>
+          </a:p>
+        </p:txBody>
+      </p:sp>
+      <p:sp>
+        <p:nvSpPr>
+          <p:cNvPr id="71" name="フローチャート: 処理 70">
+            <a:extLst>
+              <a:ext uri="{FF2B5EF4-FFF2-40B4-BE49-F238E27FC236}">
+                <a16:creationId xmlns:a16="http://schemas.microsoft.com/office/drawing/2014/main" id="{D7D43930-ACCB-217A-33DB-E8F0FBC0E0B4}"/>
+              </a:ext>
+            </a:extLst>
+          </p:cNvPr>
+          <p:cNvSpPr/>
+          <p:nvPr/>
+        </p:nvSpPr>
+        <p:spPr>
+          <a:xfrm>
+            <a:off x="9736659" y="2998574"/>
+            <a:ext cx="1883351" cy="518094"/>
+          </a:xfrm>
+          <a:prstGeom prst="flowChartProcess">
+            <a:avLst/>
+          </a:prstGeom>
+          <a:solidFill>
+            <a:schemeClr val="accent1"/>
+          </a:solidFill>
+        </p:spPr>
+        <p:style>
+          <a:lnRef idx="2">
+            <a:schemeClr val="accent1">
+              <a:shade val="50000"/>
+            </a:schemeClr>
+          </a:lnRef>
+          <a:fillRef idx="1">
+            <a:schemeClr val="accent1"/>
+          </a:fillRef>
+          <a:effectRef idx="0">
+            <a:schemeClr val="accent1"/>
+          </a:effectRef>
+          <a:fontRef idx="minor">
+            <a:schemeClr val="lt1"/>
+          </a:fontRef>
+        </p:style>
+        <p:txBody>
+          <a:bodyPr rtlCol="0" anchor="ctr"/>
+          <a:lstStyle/>
+          <a:p>
+            <a:pPr algn="ctr"/>
+            <a:r>
+              <a:rPr kumimoji="1" lang="en-US" altLang="ja-JP" dirty="0">
+                <a:solidFill>
+                  <a:schemeClr val="bg1"/>
+                </a:solidFill>
+              </a:rPr>
+              <a:t>Simulation &amp; Model Update</a:t>
+            </a:r>
+            <a:endParaRPr kumimoji="1" lang="ja-JP" altLang="en-US" dirty="0">
+              <a:solidFill>
+                <a:schemeClr val="bg1"/>
+              </a:solidFill>
+            </a:endParaRPr>
+          </a:p>
+        </p:txBody>
+      </p:sp>
+      <p:cxnSp>
+        <p:nvCxnSpPr>
+          <p:cNvPr id="72" name="コネクタ: カギ線 71">
+            <a:extLst>
+              <a:ext uri="{FF2B5EF4-FFF2-40B4-BE49-F238E27FC236}">
+                <a16:creationId xmlns:a16="http://schemas.microsoft.com/office/drawing/2014/main" id="{75C85470-D05E-B23D-E5FD-B8F3D3905119}"/>
+              </a:ext>
+            </a:extLst>
+          </p:cNvPr>
+          <p:cNvCxnSpPr>
+            <a:cxnSpLocks/>
+            <a:stCxn id="35" idx="2"/>
+            <a:endCxn id="26" idx="3"/>
+          </p:cNvCxnSpPr>
+          <p:nvPr/>
+        </p:nvCxnSpPr>
+        <p:spPr>
+          <a:xfrm rot="5400000">
+            <a:off x="4825370" y="4763061"/>
+            <a:ext cx="1437305" cy="390288"/>
+          </a:xfrm>
+          <a:prstGeom prst="bentConnector2">
+            <a:avLst/>
+          </a:prstGeom>
+          <a:ln>
+            <a:solidFill>
+              <a:schemeClr val="tx1"/>
+            </a:solidFill>
+            <a:headEnd type="none" w="med" len="med"/>
+            <a:tailEnd type="triangle"/>
+          </a:ln>
+        </p:spPr>
+        <p:style>
+          <a:lnRef idx="1">
+            <a:schemeClr val="accent1"/>
+          </a:lnRef>
+          <a:fillRef idx="0">
+            <a:schemeClr val="accent1"/>
+          </a:fillRef>
+          <a:effectRef idx="0">
+            <a:schemeClr val="accent1"/>
+          </a:effectRef>
+          <a:fontRef idx="minor">
+            <a:schemeClr val="tx1"/>
+          </a:fontRef>
+        </p:style>
+      </p:cxnSp>
+      <p:sp>
+        <p:nvSpPr>
+          <p:cNvPr id="37" name="フローチャート: 複数書類 36">
+            <a:extLst>
+              <a:ext uri="{FF2B5EF4-FFF2-40B4-BE49-F238E27FC236}">
+                <a16:creationId xmlns:a16="http://schemas.microsoft.com/office/drawing/2014/main" id="{62133577-EECC-3A86-75E8-2CC9B2C8EF70}"/>
+              </a:ext>
+            </a:extLst>
+          </p:cNvPr>
+          <p:cNvSpPr/>
+          <p:nvPr/>
+        </p:nvSpPr>
+        <p:spPr>
+          <a:xfrm>
+            <a:off x="5016801" y="4452128"/>
+            <a:ext cx="1415144" cy="685800"/>
+          </a:xfrm>
+          <a:prstGeom prst="flowChartMultidocument">
+            <a:avLst/>
+          </a:prstGeom>
+          <a:solidFill>
+            <a:schemeClr val="bg1"/>
+          </a:solidFill>
+        </p:spPr>
+        <p:style>
+          <a:lnRef idx="2">
+            <a:schemeClr val="accent1">
+              <a:shade val="50000"/>
+            </a:schemeClr>
+          </a:lnRef>
+          <a:fillRef idx="1">
+            <a:schemeClr val="accent1"/>
+          </a:fillRef>
+          <a:effectRef idx="0">
+            <a:schemeClr val="accent1"/>
+          </a:effectRef>
+          <a:fontRef idx="minor">
+            <a:schemeClr val="lt1"/>
+          </a:fontRef>
+        </p:style>
+        <p:txBody>
+          <a:bodyPr rtlCol="0" anchor="ctr"/>
+          <a:lstStyle/>
+          <a:p>
+            <a:pPr algn="ctr"/>
+            <a:r>
+              <a:rPr kumimoji="1" lang="en-US" altLang="ja-JP" sz="1600" dirty="0">
+                <a:solidFill>
+                  <a:schemeClr val="tx1"/>
+                </a:solidFill>
+              </a:rPr>
+              <a:t>Calculated Value</a:t>
+            </a:r>
+            <a:endParaRPr kumimoji="1" lang="ja-JP" altLang="en-US" sz="1600" dirty="0">
+              <a:solidFill>
+                <a:schemeClr val="tx1"/>
+              </a:solidFill>
+            </a:endParaRPr>
+          </a:p>
+        </p:txBody>
+      </p:sp>
+      <p:cxnSp>
+        <p:nvCxnSpPr>
+          <p:cNvPr id="76" name="コネクタ: カギ線 75">
+            <a:extLst>
+              <a:ext uri="{FF2B5EF4-FFF2-40B4-BE49-F238E27FC236}">
+                <a16:creationId xmlns:a16="http://schemas.microsoft.com/office/drawing/2014/main" id="{0338C3D1-D7C1-F65C-C208-45581B984C51}"/>
+              </a:ext>
+            </a:extLst>
+          </p:cNvPr>
+          <p:cNvCxnSpPr>
+            <a:cxnSpLocks/>
+            <a:stCxn id="32" idx="2"/>
+            <a:endCxn id="26" idx="3"/>
+          </p:cNvCxnSpPr>
+          <p:nvPr/>
+        </p:nvCxnSpPr>
+        <p:spPr>
+          <a:xfrm rot="5400000">
+            <a:off x="5898087" y="3419966"/>
+            <a:ext cx="1707683" cy="2806100"/>
+          </a:xfrm>
+          <a:prstGeom prst="bentConnector2">
+            <a:avLst/>
+          </a:prstGeom>
+          <a:ln>
+            <a:solidFill>
+              <a:schemeClr val="tx1"/>
+            </a:solidFill>
+            <a:headEnd type="none" w="med" len="med"/>
+            <a:tailEnd type="triangle"/>
+          </a:ln>
+        </p:spPr>
+        <p:style>
+          <a:lnRef idx="1">
+            <a:schemeClr val="accent1"/>
+          </a:lnRef>
+          <a:fillRef idx="0">
+            <a:schemeClr val="accent1"/>
+          </a:fillRef>
+          <a:effectRef idx="0">
+            <a:schemeClr val="accent1"/>
+          </a:effectRef>
+          <a:fontRef idx="minor">
+            <a:schemeClr val="tx1"/>
+          </a:fontRef>
+        </p:style>
+      </p:cxnSp>
+      <p:sp>
+        <p:nvSpPr>
+          <p:cNvPr id="75" name="フローチャート: 複数書類 74">
+            <a:extLst>
+              <a:ext uri="{FF2B5EF4-FFF2-40B4-BE49-F238E27FC236}">
+                <a16:creationId xmlns:a16="http://schemas.microsoft.com/office/drawing/2014/main" id="{8696D34F-4604-0329-8B2A-C46ED49FEA09}"/>
+              </a:ext>
+            </a:extLst>
+          </p:cNvPr>
+          <p:cNvSpPr/>
+          <p:nvPr/>
+        </p:nvSpPr>
+        <p:spPr>
+          <a:xfrm>
+            <a:off x="7478945" y="4452128"/>
+            <a:ext cx="1415144" cy="685800"/>
+          </a:xfrm>
+          <a:prstGeom prst="flowChartMultidocument">
+            <a:avLst/>
+          </a:prstGeom>
+          <a:solidFill>
+            <a:schemeClr val="bg1"/>
+          </a:solidFill>
+        </p:spPr>
+        <p:style>
+          <a:lnRef idx="2">
+            <a:schemeClr val="accent1">
+              <a:shade val="50000"/>
+            </a:schemeClr>
+          </a:lnRef>
+          <a:fillRef idx="1">
+            <a:schemeClr val="accent1"/>
+          </a:fillRef>
+          <a:effectRef idx="0">
+            <a:schemeClr val="accent1"/>
+          </a:effectRef>
+          <a:fontRef idx="minor">
+            <a:schemeClr val="lt1"/>
+          </a:fontRef>
+        </p:style>
+        <p:txBody>
+          <a:bodyPr rtlCol="0" anchor="ctr"/>
+          <a:lstStyle/>
+          <a:p>
+            <a:pPr algn="ctr"/>
+            <a:r>
+              <a:rPr kumimoji="1" lang="en-US" altLang="ja-JP" sz="1600" dirty="0">
+                <a:solidFill>
+                  <a:schemeClr val="tx1"/>
+                </a:solidFill>
+              </a:rPr>
+              <a:t>Results Value</a:t>
+            </a:r>
+            <a:endParaRPr kumimoji="1" lang="ja-JP" altLang="en-US" sz="1600" dirty="0">
+              <a:solidFill>
+                <a:schemeClr val="tx1"/>
+              </a:solidFill>
+            </a:endParaRPr>
+          </a:p>
+        </p:txBody>
+      </p:sp>
+      <p:sp>
+        <p:nvSpPr>
+          <p:cNvPr id="79" name="フローチャート: 複数書類 78">
+            <a:extLst>
+              <a:ext uri="{FF2B5EF4-FFF2-40B4-BE49-F238E27FC236}">
+                <a16:creationId xmlns:a16="http://schemas.microsoft.com/office/drawing/2014/main" id="{8ED91BE6-B8AB-71DE-0E85-16ACB6D49505}"/>
+              </a:ext>
+            </a:extLst>
+          </p:cNvPr>
+          <p:cNvSpPr/>
+          <p:nvPr/>
+        </p:nvSpPr>
+        <p:spPr>
+          <a:xfrm>
+            <a:off x="9863114" y="964689"/>
+            <a:ext cx="1883351" cy="685800"/>
+          </a:xfrm>
+          <a:prstGeom prst="flowChartMultidocument">
+            <a:avLst/>
+          </a:prstGeom>
+          <a:solidFill>
+            <a:schemeClr val="bg1"/>
+          </a:solidFill>
+        </p:spPr>
+        <p:style>
+          <a:lnRef idx="2">
+            <a:schemeClr val="accent1">
+              <a:shade val="50000"/>
+            </a:schemeClr>
+          </a:lnRef>
+          <a:fillRef idx="1">
+            <a:schemeClr val="accent1"/>
+          </a:fillRef>
+          <a:effectRef idx="0">
+            <a:schemeClr val="accent1"/>
+          </a:effectRef>
+          <a:fontRef idx="minor">
+            <a:schemeClr val="lt1"/>
+          </a:fontRef>
+        </p:style>
+        <p:txBody>
+          <a:bodyPr rtlCol="0" anchor="ctr"/>
+          <a:lstStyle/>
+          <a:p>
+            <a:pPr algn="ctr"/>
+            <a:r>
+              <a:rPr kumimoji="1" lang="en-US" altLang="ja-JP" sz="1400" dirty="0">
+                <a:solidFill>
+                  <a:schemeClr val="tx1"/>
+                </a:solidFill>
+              </a:rPr>
+              <a:t>Constraints&amp; Simulation Status</a:t>
+            </a:r>
+            <a:endParaRPr kumimoji="1" lang="ja-JP" altLang="en-US" sz="1400" dirty="0">
+              <a:solidFill>
+                <a:schemeClr val="tx1"/>
+              </a:solidFill>
+            </a:endParaRPr>
+          </a:p>
+        </p:txBody>
+      </p:sp>
+      <p:cxnSp>
+        <p:nvCxnSpPr>
+          <p:cNvPr id="80" name="直線矢印コネクタ 79">
+            <a:extLst>
+              <a:ext uri="{FF2B5EF4-FFF2-40B4-BE49-F238E27FC236}">
+                <a16:creationId xmlns:a16="http://schemas.microsoft.com/office/drawing/2014/main" id="{F75EBACF-9B11-D164-4AE5-28718DAC97C6}"/>
+              </a:ext>
+            </a:extLst>
+          </p:cNvPr>
+          <p:cNvCxnSpPr>
+            <a:cxnSpLocks/>
+            <a:stCxn id="79" idx="2"/>
+            <a:endCxn id="71" idx="0"/>
+          </p:cNvCxnSpPr>
+          <p:nvPr/>
+        </p:nvCxnSpPr>
+        <p:spPr>
+          <a:xfrm>
+            <a:off x="10673827" y="1624518"/>
+            <a:ext cx="4508" cy="1374056"/>
+          </a:xfrm>
+          <a:prstGeom prst="straightConnector1">
+            <a:avLst/>
+          </a:prstGeom>
+          <a:ln>
+            <a:solidFill>
+              <a:schemeClr val="tx1"/>
+            </a:solidFill>
+            <a:headEnd type="none" w="med" len="med"/>
+            <a:tailEnd type="triangle"/>
+          </a:ln>
+        </p:spPr>
+        <p:style>
+          <a:lnRef idx="1">
+            <a:schemeClr val="accent1"/>
+          </a:lnRef>
+          <a:fillRef idx="0">
+            <a:schemeClr val="accent1"/>
+          </a:fillRef>
+          <a:effectRef idx="0">
+            <a:schemeClr val="accent1"/>
+          </a:effectRef>
+          <a:fontRef idx="minor">
+            <a:schemeClr val="tx1"/>
+          </a:fontRef>
+        </p:style>
+      </p:cxnSp>
+      <p:cxnSp>
+        <p:nvCxnSpPr>
+          <p:cNvPr id="84" name="コネクタ: カギ線 83">
+            <a:extLst>
+              <a:ext uri="{FF2B5EF4-FFF2-40B4-BE49-F238E27FC236}">
+                <a16:creationId xmlns:a16="http://schemas.microsoft.com/office/drawing/2014/main" id="{46C83B31-9B09-4FFF-F2F7-E586F01131D0}"/>
+              </a:ext>
+            </a:extLst>
+          </p:cNvPr>
+          <p:cNvCxnSpPr>
+            <a:cxnSpLocks/>
+            <a:stCxn id="71" idx="2"/>
+            <a:endCxn id="26" idx="3"/>
+          </p:cNvCxnSpPr>
+          <p:nvPr/>
+        </p:nvCxnSpPr>
+        <p:spPr>
+          <a:xfrm rot="5400000">
+            <a:off x="6933512" y="1932035"/>
+            <a:ext cx="2160190" cy="5329457"/>
+          </a:xfrm>
+          <a:prstGeom prst="bentConnector2">
+            <a:avLst/>
+          </a:prstGeom>
+          <a:ln>
+            <a:solidFill>
+              <a:schemeClr val="tx1"/>
+            </a:solidFill>
+            <a:headEnd type="none" w="med" len="med"/>
+            <a:tailEnd type="triangle"/>
+          </a:ln>
+        </p:spPr>
+        <p:style>
+          <a:lnRef idx="1">
+            <a:schemeClr val="accent1"/>
+          </a:lnRef>
+          <a:fillRef idx="0">
+            <a:schemeClr val="accent1"/>
+          </a:fillRef>
+          <a:effectRef idx="0">
+            <a:schemeClr val="accent1"/>
+          </a:effectRef>
+          <a:fontRef idx="minor">
+            <a:schemeClr val="tx1"/>
+          </a:fontRef>
+        </p:style>
+      </p:cxnSp>
+      <p:sp>
+        <p:nvSpPr>
+          <p:cNvPr id="87" name="フローチャート: 複数書類 86">
+            <a:extLst>
+              <a:ext uri="{FF2B5EF4-FFF2-40B4-BE49-F238E27FC236}">
+                <a16:creationId xmlns:a16="http://schemas.microsoft.com/office/drawing/2014/main" id="{0F349B3C-0E3D-C6E7-6096-A6F8EC71B8B4}"/>
+              </a:ext>
+            </a:extLst>
+          </p:cNvPr>
+          <p:cNvSpPr/>
+          <p:nvPr/>
+        </p:nvSpPr>
+        <p:spPr>
+          <a:xfrm>
+            <a:off x="8515179" y="964689"/>
+            <a:ext cx="1286354" cy="685800"/>
+          </a:xfrm>
+          <a:prstGeom prst="flowChartMultidocument">
+            <a:avLst/>
+          </a:prstGeom>
+          <a:solidFill>
+            <a:schemeClr val="bg1"/>
+          </a:solidFill>
+        </p:spPr>
+        <p:style>
+          <a:lnRef idx="2">
+            <a:schemeClr val="accent1">
+              <a:shade val="50000"/>
+            </a:schemeClr>
+          </a:lnRef>
+          <a:fillRef idx="1">
+            <a:schemeClr val="accent1"/>
+          </a:fillRef>
+          <a:effectRef idx="0">
+            <a:schemeClr val="accent1"/>
+          </a:effectRef>
+          <a:fontRef idx="minor">
+            <a:schemeClr val="lt1"/>
+          </a:fontRef>
+        </p:style>
+        <p:txBody>
+          <a:bodyPr rtlCol="0" anchor="ctr"/>
+          <a:lstStyle/>
+          <a:p>
+            <a:pPr algn="ctr"/>
+            <a:r>
+              <a:rPr kumimoji="1" lang="en-US" altLang="ja-JP" sz="1400" dirty="0">
+                <a:solidFill>
+                  <a:schemeClr val="tx1"/>
+                </a:solidFill>
+              </a:rPr>
+              <a:t>Past Model Files</a:t>
+            </a:r>
+            <a:endParaRPr kumimoji="1" lang="ja-JP" altLang="en-US" sz="1400" dirty="0">
+              <a:solidFill>
+                <a:schemeClr val="tx1"/>
+              </a:solidFill>
+            </a:endParaRPr>
+          </a:p>
+        </p:txBody>
+      </p:sp>
+      <p:cxnSp>
+        <p:nvCxnSpPr>
+          <p:cNvPr id="88" name="コネクタ: カギ線 87">
+            <a:extLst>
+              <a:ext uri="{FF2B5EF4-FFF2-40B4-BE49-F238E27FC236}">
+                <a16:creationId xmlns:a16="http://schemas.microsoft.com/office/drawing/2014/main" id="{3B4D376A-F573-7E52-A5AA-50B96A19ACE0}"/>
+              </a:ext>
+            </a:extLst>
+          </p:cNvPr>
+          <p:cNvCxnSpPr>
+            <a:cxnSpLocks/>
+            <a:stCxn id="87" idx="2"/>
+            <a:endCxn id="71" idx="0"/>
+          </p:cNvCxnSpPr>
+          <p:nvPr/>
+        </p:nvCxnSpPr>
+        <p:spPr>
+          <a:xfrm rot="16200000" flipH="1">
+            <a:off x="9186593" y="1506832"/>
+            <a:ext cx="1374056" cy="1609428"/>
+          </a:xfrm>
+          <a:prstGeom prst="bentConnector3">
+            <a:avLst>
+              <a:gd name="adj1" fmla="val 22272"/>
+            </a:avLst>
+          </a:prstGeom>
+          <a:ln>
+            <a:solidFill>
+              <a:schemeClr val="tx1"/>
+            </a:solidFill>
+            <a:headEnd type="none" w="med" len="med"/>
+            <a:tailEnd type="triangle"/>
+          </a:ln>
+        </p:spPr>
+        <p:style>
+          <a:lnRef idx="1">
+            <a:schemeClr val="accent1"/>
+          </a:lnRef>
+          <a:fillRef idx="0">
+            <a:schemeClr val="accent1"/>
+          </a:fillRef>
+          <a:effectRef idx="0">
+            <a:schemeClr val="accent1"/>
+          </a:effectRef>
+          <a:fontRef idx="minor">
+            <a:schemeClr val="tx1"/>
+          </a:fontRef>
+        </p:style>
+      </p:cxnSp>
+      <p:cxnSp>
+        <p:nvCxnSpPr>
+          <p:cNvPr id="93" name="コネクタ: カギ線 92">
+            <a:extLst>
+              <a:ext uri="{FF2B5EF4-FFF2-40B4-BE49-F238E27FC236}">
+                <a16:creationId xmlns:a16="http://schemas.microsoft.com/office/drawing/2014/main" id="{CFD4B54F-4245-30CD-D93E-43C35A18EDE2}"/>
+              </a:ext>
+            </a:extLst>
+          </p:cNvPr>
+          <p:cNvCxnSpPr>
+            <a:cxnSpLocks/>
+            <a:stCxn id="61" idx="4"/>
+            <a:endCxn id="32" idx="0"/>
+          </p:cNvCxnSpPr>
+          <p:nvPr/>
+        </p:nvCxnSpPr>
+        <p:spPr>
+          <a:xfrm rot="16200000" flipH="1">
+            <a:off x="6600295" y="1896397"/>
+            <a:ext cx="2101255" cy="1008111"/>
+          </a:xfrm>
+          <a:prstGeom prst="bentConnector3">
+            <a:avLst>
+              <a:gd name="adj1" fmla="val 26169"/>
+            </a:avLst>
+          </a:prstGeom>
+          <a:ln>
+            <a:solidFill>
+              <a:schemeClr val="tx1"/>
+            </a:solidFill>
+            <a:headEnd type="none" w="med" len="med"/>
+            <a:tailEnd type="triangle"/>
+          </a:ln>
+        </p:spPr>
+        <p:style>
+          <a:lnRef idx="1">
+            <a:schemeClr val="accent1"/>
+          </a:lnRef>
+          <a:fillRef idx="0">
+            <a:schemeClr val="accent1"/>
+          </a:fillRef>
+          <a:effectRef idx="0">
+            <a:schemeClr val="accent1"/>
+          </a:effectRef>
+          <a:fontRef idx="minor">
+            <a:schemeClr val="tx1"/>
+          </a:fontRef>
+        </p:style>
+      </p:cxnSp>
+      <p:sp>
+        <p:nvSpPr>
+          <p:cNvPr id="92" name="フローチャート: 複数書類 91">
+            <a:extLst>
+              <a:ext uri="{FF2B5EF4-FFF2-40B4-BE49-F238E27FC236}">
+                <a16:creationId xmlns:a16="http://schemas.microsoft.com/office/drawing/2014/main" id="{B3D45FF2-3198-62C6-CB00-B9E9D8F906F1}"/>
+              </a:ext>
+            </a:extLst>
+          </p:cNvPr>
+          <p:cNvSpPr/>
+          <p:nvPr/>
+        </p:nvSpPr>
+        <p:spPr>
+          <a:xfrm>
+            <a:off x="7554679" y="2578707"/>
+            <a:ext cx="1286354" cy="685800"/>
+          </a:xfrm>
+          <a:prstGeom prst="flowChartMultidocument">
+            <a:avLst/>
+          </a:prstGeom>
+          <a:solidFill>
+            <a:schemeClr val="bg1"/>
+          </a:solidFill>
+        </p:spPr>
+        <p:style>
+          <a:lnRef idx="2">
+            <a:schemeClr val="accent1">
+              <a:shade val="50000"/>
+            </a:schemeClr>
+          </a:lnRef>
+          <a:fillRef idx="1">
+            <a:schemeClr val="accent1"/>
+          </a:fillRef>
+          <a:effectRef idx="0">
+            <a:schemeClr val="accent1"/>
+          </a:effectRef>
+          <a:fontRef idx="minor">
+            <a:schemeClr val="lt1"/>
+          </a:fontRef>
+        </p:style>
+        <p:txBody>
+          <a:bodyPr rtlCol="0" anchor="ctr"/>
+          <a:lstStyle/>
+          <a:p>
+            <a:pPr algn="ctr"/>
+            <a:r>
+              <a:rPr kumimoji="1" lang="en-US" altLang="ja-JP" sz="1400" dirty="0">
+                <a:solidFill>
+                  <a:schemeClr val="tx1"/>
+                </a:solidFill>
+              </a:rPr>
+              <a:t>Model File</a:t>
+            </a:r>
+            <a:endParaRPr kumimoji="1" lang="ja-JP" altLang="en-US" sz="1400" dirty="0">
+              <a:solidFill>
+                <a:schemeClr val="tx1"/>
+              </a:solidFill>
+            </a:endParaRPr>
+          </a:p>
+        </p:txBody>
+      </p:sp>
+      <p:sp>
+        <p:nvSpPr>
+          <p:cNvPr id="83" name="フローチャート: 複数書類 82">
+            <a:extLst>
+              <a:ext uri="{FF2B5EF4-FFF2-40B4-BE49-F238E27FC236}">
+                <a16:creationId xmlns:a16="http://schemas.microsoft.com/office/drawing/2014/main" id="{EE100C8C-9845-37A5-67F7-1B3DBF1B843F}"/>
+              </a:ext>
+            </a:extLst>
+          </p:cNvPr>
+          <p:cNvSpPr/>
+          <p:nvPr/>
+        </p:nvSpPr>
+        <p:spPr>
+          <a:xfrm>
+            <a:off x="10016617" y="5301214"/>
+            <a:ext cx="1415144" cy="685800"/>
+          </a:xfrm>
+          <a:prstGeom prst="flowChartMultidocument">
+            <a:avLst/>
+          </a:prstGeom>
+          <a:solidFill>
+            <a:schemeClr val="bg1"/>
+          </a:solidFill>
+        </p:spPr>
+        <p:style>
+          <a:lnRef idx="2">
+            <a:schemeClr val="accent1">
+              <a:shade val="50000"/>
+            </a:schemeClr>
+          </a:lnRef>
+          <a:fillRef idx="1">
+            <a:schemeClr val="accent1"/>
+          </a:fillRef>
+          <a:effectRef idx="0">
+            <a:schemeClr val="accent1"/>
+          </a:effectRef>
+          <a:fontRef idx="minor">
+            <a:schemeClr val="lt1"/>
+          </a:fontRef>
+        </p:style>
+        <p:txBody>
+          <a:bodyPr rtlCol="0" anchor="ctr"/>
+          <a:lstStyle/>
+          <a:p>
+            <a:pPr algn="ctr"/>
+            <a:r>
+              <a:rPr kumimoji="1" lang="en-US" altLang="ja-JP" sz="1600" dirty="0">
+                <a:solidFill>
+                  <a:schemeClr val="tx1"/>
+                </a:solidFill>
+              </a:rPr>
+              <a:t>Results Value</a:t>
+            </a:r>
+            <a:endParaRPr kumimoji="1" lang="ja-JP" altLang="en-US" sz="1600" dirty="0">
+              <a:solidFill>
+                <a:schemeClr val="tx1"/>
+              </a:solidFill>
+            </a:endParaRPr>
+          </a:p>
+        </p:txBody>
+      </p:sp>
+      <p:sp>
+        <p:nvSpPr>
+          <p:cNvPr id="97" name="フローチャート: 複数書類 96">
+            <a:extLst>
+              <a:ext uri="{FF2B5EF4-FFF2-40B4-BE49-F238E27FC236}">
+                <a16:creationId xmlns:a16="http://schemas.microsoft.com/office/drawing/2014/main" id="{F7C3DDDD-1363-D7BD-F6A4-A4E4D17357C0}"/>
+              </a:ext>
+            </a:extLst>
+          </p:cNvPr>
+          <p:cNvSpPr/>
+          <p:nvPr/>
+        </p:nvSpPr>
+        <p:spPr>
+          <a:xfrm>
+            <a:off x="9971773" y="4048956"/>
+            <a:ext cx="1415144" cy="685800"/>
+          </a:xfrm>
+          <a:prstGeom prst="flowChartMultidocument">
+            <a:avLst/>
+          </a:prstGeom>
+          <a:solidFill>
+            <a:schemeClr val="bg1"/>
+          </a:solidFill>
+        </p:spPr>
+        <p:style>
+          <a:lnRef idx="2">
+            <a:schemeClr val="accent1">
+              <a:shade val="50000"/>
+            </a:schemeClr>
+          </a:lnRef>
+          <a:fillRef idx="1">
+            <a:schemeClr val="accent1"/>
+          </a:fillRef>
+          <a:effectRef idx="0">
+            <a:schemeClr val="accent1"/>
+          </a:effectRef>
+          <a:fontRef idx="minor">
+            <a:schemeClr val="lt1"/>
+          </a:fontRef>
+        </p:style>
+        <p:txBody>
+          <a:bodyPr rtlCol="0" anchor="ctr"/>
+          <a:lstStyle/>
+          <a:p>
+            <a:pPr algn="ctr"/>
+            <a:r>
+              <a:rPr kumimoji="1" lang="en-US" altLang="ja-JP" sz="1600" dirty="0">
+                <a:solidFill>
+                  <a:schemeClr val="tx1"/>
+                </a:solidFill>
+              </a:rPr>
+              <a:t>New Model File</a:t>
+            </a:r>
+            <a:endParaRPr kumimoji="1" lang="ja-JP" altLang="en-US" sz="1600" dirty="0">
+              <a:solidFill>
+                <a:schemeClr val="tx1"/>
+              </a:solidFill>
+            </a:endParaRPr>
+          </a:p>
+        </p:txBody>
+      </p:sp>
+      <p:cxnSp>
+        <p:nvCxnSpPr>
+          <p:cNvPr id="99" name="コネクタ: カギ線 98">
+            <a:extLst>
+              <a:ext uri="{FF2B5EF4-FFF2-40B4-BE49-F238E27FC236}">
+                <a16:creationId xmlns:a16="http://schemas.microsoft.com/office/drawing/2014/main" id="{EB85C300-8ED7-8689-1F0A-E023A0C7D93A}"/>
+              </a:ext>
+            </a:extLst>
+          </p:cNvPr>
+          <p:cNvCxnSpPr>
+            <a:cxnSpLocks/>
+            <a:stCxn id="97" idx="1"/>
+            <a:endCxn id="92" idx="3"/>
+          </p:cNvCxnSpPr>
+          <p:nvPr/>
+        </p:nvCxnSpPr>
+        <p:spPr>
+          <a:xfrm rot="10800000">
+            <a:off x="8841033" y="2921608"/>
+            <a:ext cx="1130740" cy="1470249"/>
+          </a:xfrm>
+          <a:prstGeom prst="bentConnector3">
+            <a:avLst>
+              <a:gd name="adj1" fmla="val 50000"/>
+            </a:avLst>
+          </a:prstGeom>
+          <a:ln>
+            <a:solidFill>
+              <a:schemeClr val="tx1"/>
+            </a:solidFill>
+            <a:headEnd type="none" w="med" len="med"/>
+            <a:tailEnd type="triangle"/>
+          </a:ln>
+        </p:spPr>
+        <p:style>
+          <a:lnRef idx="1">
+            <a:schemeClr val="accent1"/>
+          </a:lnRef>
+          <a:fillRef idx="0">
+            <a:schemeClr val="accent1"/>
+          </a:fillRef>
+          <a:effectRef idx="0">
+            <a:schemeClr val="accent1"/>
+          </a:effectRef>
+          <a:fontRef idx="minor">
+            <a:schemeClr val="tx1"/>
+          </a:fontRef>
+        </p:style>
+      </p:cxnSp>
+      <p:cxnSp>
+        <p:nvCxnSpPr>
+          <p:cNvPr id="104" name="コネクタ: カギ線 103">
+            <a:extLst>
+              <a:ext uri="{FF2B5EF4-FFF2-40B4-BE49-F238E27FC236}">
+                <a16:creationId xmlns:a16="http://schemas.microsoft.com/office/drawing/2014/main" id="{DCD932A2-7006-05AE-157D-848D5CE6D5FA}"/>
+              </a:ext>
+            </a:extLst>
+          </p:cNvPr>
+          <p:cNvCxnSpPr>
+            <a:cxnSpLocks/>
+            <a:stCxn id="61" idx="4"/>
+            <a:endCxn id="71" idx="0"/>
+          </p:cNvCxnSpPr>
+          <p:nvPr/>
+        </p:nvCxnSpPr>
+        <p:spPr>
+          <a:xfrm rot="16200000" flipH="1">
+            <a:off x="8088227" y="408466"/>
+            <a:ext cx="1648748" cy="3531468"/>
+          </a:xfrm>
+          <a:prstGeom prst="bentConnector3">
+            <a:avLst>
+              <a:gd name="adj1" fmla="val 34154"/>
+            </a:avLst>
+          </a:prstGeom>
+          <a:ln>
+            <a:solidFill>
+              <a:schemeClr val="tx1"/>
+            </a:solidFill>
+            <a:headEnd type="none" w="med" len="med"/>
+            <a:tailEnd type="triangle"/>
+          </a:ln>
+        </p:spPr>
+        <p:style>
+          <a:lnRef idx="1">
+            <a:schemeClr val="accent1"/>
+          </a:lnRef>
+          <a:fillRef idx="0">
+            <a:schemeClr val="accent1"/>
+          </a:fillRef>
+          <a:effectRef idx="0">
+            <a:schemeClr val="accent1"/>
+          </a:effectRef>
+          <a:fontRef idx="minor">
+            <a:schemeClr val="tx1"/>
+          </a:fontRef>
+        </p:style>
+      </p:cxnSp>
+      <p:sp>
+        <p:nvSpPr>
+          <p:cNvPr id="46" name="フローチャート: 複数書類 45">
+            <a:extLst>
+              <a:ext uri="{FF2B5EF4-FFF2-40B4-BE49-F238E27FC236}">
+                <a16:creationId xmlns:a16="http://schemas.microsoft.com/office/drawing/2014/main" id="{D9214E14-BF71-4285-B153-4DDE9A17F594}"/>
+              </a:ext>
+            </a:extLst>
+          </p:cNvPr>
+          <p:cNvSpPr/>
+          <p:nvPr/>
+        </p:nvSpPr>
+        <p:spPr>
+          <a:xfrm>
+            <a:off x="6431415" y="964689"/>
+            <a:ext cx="1712324" cy="685800"/>
+          </a:xfrm>
+          <a:prstGeom prst="flowChartMultidocument">
+            <a:avLst/>
+          </a:prstGeom>
+          <a:solidFill>
+            <a:schemeClr val="bg1"/>
+          </a:solidFill>
+        </p:spPr>
+        <p:style>
+          <a:lnRef idx="2">
+            <a:schemeClr val="accent1">
+              <a:shade val="50000"/>
+            </a:schemeClr>
+          </a:lnRef>
+          <a:fillRef idx="1">
+            <a:schemeClr val="accent1"/>
+          </a:fillRef>
+          <a:effectRef idx="0">
+            <a:schemeClr val="accent1"/>
+          </a:effectRef>
+          <a:fontRef idx="minor">
+            <a:schemeClr val="lt1"/>
+          </a:fontRef>
+        </p:style>
+        <p:txBody>
+          <a:bodyPr rtlCol="0" anchor="ctr"/>
+          <a:lstStyle/>
+          <a:p>
+            <a:pPr algn="ctr"/>
+            <a:r>
+              <a:rPr kumimoji="1" lang="en-US" altLang="ja-JP" sz="1400" dirty="0">
+                <a:solidFill>
+                  <a:schemeClr val="tx1"/>
+                </a:solidFill>
+              </a:rPr>
+              <a:t>Operation Data for Model</a:t>
+            </a:r>
+            <a:endParaRPr kumimoji="1" lang="ja-JP" altLang="en-US" sz="1400" dirty="0">
+              <a:solidFill>
+                <a:schemeClr val="tx1"/>
+              </a:solidFill>
+            </a:endParaRPr>
+          </a:p>
+        </p:txBody>
+      </p:sp>
+      <p:sp>
+        <p:nvSpPr>
+          <p:cNvPr id="113" name="テキスト ボックス 112">
+            <a:extLst>
+              <a:ext uri="{FF2B5EF4-FFF2-40B4-BE49-F238E27FC236}">
+                <a16:creationId xmlns:a16="http://schemas.microsoft.com/office/drawing/2014/main" id="{393AB2AB-2921-B38F-2EC9-04F3F5BD3523}"/>
+              </a:ext>
+            </a:extLst>
+          </p:cNvPr>
+          <p:cNvSpPr txBox="1"/>
+          <p:nvPr/>
+        </p:nvSpPr>
+        <p:spPr>
+          <a:xfrm>
+            <a:off x="3475741" y="2355157"/>
+            <a:ext cx="639363" cy="307777"/>
+          </a:xfrm>
+          <a:prstGeom prst="rect">
+            <a:avLst/>
+          </a:prstGeom>
+          <a:noFill/>
+        </p:spPr>
+        <p:txBody>
+          <a:bodyPr wrap="square" rtlCol="0">
+            <a:spAutoFit/>
+          </a:bodyPr>
+          <a:lstStyle/>
+          <a:p>
+            <a:r>
+              <a:rPr kumimoji="1" lang="en-US" altLang="ja-JP" sz="1400" b="1" dirty="0">
+                <a:solidFill>
+                  <a:schemeClr val="accent1"/>
+                </a:solidFill>
+                <a:latin typeface="Arial" panose="020B0604020202020204" pitchFamily="34" charset="0"/>
+                <a:cs typeface="Arial" panose="020B0604020202020204" pitchFamily="34" charset="0"/>
+              </a:rPr>
+              <a:t>XRAI</a:t>
+            </a:r>
+            <a:endParaRPr kumimoji="1" lang="ja-JP" altLang="en-US" sz="1400" b="1" dirty="0">
+              <a:solidFill>
+                <a:schemeClr val="accent1"/>
+              </a:solidFill>
+              <a:latin typeface="Arial" panose="020B0604020202020204" pitchFamily="34" charset="0"/>
+              <a:cs typeface="Arial" panose="020B0604020202020204" pitchFamily="34" charset="0"/>
+            </a:endParaRPr>
+          </a:p>
+        </p:txBody>
+      </p:sp>
+      <p:sp>
+        <p:nvSpPr>
+          <p:cNvPr id="114" name="テキスト ボックス 113">
+            <a:extLst>
+              <a:ext uri="{FF2B5EF4-FFF2-40B4-BE49-F238E27FC236}">
+                <a16:creationId xmlns:a16="http://schemas.microsoft.com/office/drawing/2014/main" id="{42BF0887-9371-045E-C2AC-BAB2BB749C83}"/>
+              </a:ext>
+            </a:extLst>
+          </p:cNvPr>
+          <p:cNvSpPr txBox="1"/>
+          <p:nvPr/>
+        </p:nvSpPr>
+        <p:spPr>
+          <a:xfrm>
+            <a:off x="2529130" y="861931"/>
+            <a:ext cx="870883" cy="307777"/>
+          </a:xfrm>
+          <a:prstGeom prst="rect">
+            <a:avLst/>
+          </a:prstGeom>
+          <a:noFill/>
+        </p:spPr>
+        <p:txBody>
+          <a:bodyPr wrap="square" rtlCol="0">
+            <a:spAutoFit/>
+          </a:bodyPr>
+          <a:lstStyle/>
+          <a:p>
+            <a:pPr algn="ctr"/>
+            <a:r>
+              <a:rPr lang="en-US" altLang="ja-JP" sz="1400" b="1" dirty="0">
+                <a:solidFill>
+                  <a:schemeClr val="accent4"/>
+                </a:solidFill>
+                <a:latin typeface="Arial" panose="020B0604020202020204" pitchFamily="34" charset="0"/>
+                <a:cs typeface="Arial" panose="020B0604020202020204" pitchFamily="34" charset="0"/>
+              </a:rPr>
+              <a:t>ROCO</a:t>
+            </a:r>
+            <a:endParaRPr kumimoji="1" lang="ja-JP" altLang="en-US" sz="1400" b="1" dirty="0">
+              <a:solidFill>
+                <a:schemeClr val="accent4"/>
+              </a:solidFill>
+              <a:latin typeface="Arial" panose="020B0604020202020204" pitchFamily="34" charset="0"/>
+              <a:cs typeface="Arial" panose="020B0604020202020204" pitchFamily="34" charset="0"/>
+            </a:endParaRPr>
+          </a:p>
+        </p:txBody>
+      </p:sp>
+      <p:pic>
+        <p:nvPicPr>
+          <p:cNvPr id="116" name="グラフィックス 115" descr="コンピューター 単色塗りつぶし">
+            <a:extLst>
+              <a:ext uri="{FF2B5EF4-FFF2-40B4-BE49-F238E27FC236}">
+                <a16:creationId xmlns:a16="http://schemas.microsoft.com/office/drawing/2014/main" id="{0FDE6360-A258-33F0-FAC9-47038426FEF6}"/>
+              </a:ext>
+            </a:extLst>
+          </p:cNvPr>
+          <p:cNvPicPr>
+            <a:picLocks noChangeAspect="1"/>
+          </p:cNvPicPr>
+          <p:nvPr/>
+        </p:nvPicPr>
+        <p:blipFill>
+          <a:blip r:embed="rId5">
+            <a:extLst>
+              <a:ext uri="{28A0092B-C50C-407E-A947-70E740481C1C}">
+                <a14:useLocalDpi xmlns:a14="http://schemas.microsoft.com/office/drawing/2010/main" val="0"/>
+              </a:ext>
+              <a:ext uri="{96DAC541-7B7A-43D3-8B79-37D633B846F1}">
+                <asvg:svgBlip xmlns:asvg="http://schemas.microsoft.com/office/drawing/2016/SVG/main" r:embed="rId6"/>
+              </a:ext>
+            </a:extLst>
+          </a:blip>
+          <a:stretch>
+            <a:fillRect/>
+          </a:stretch>
+        </p:blipFill>
+        <p:spPr>
+          <a:xfrm>
+            <a:off x="1566324" y="5291694"/>
+            <a:ext cx="770243" cy="770243"/>
+          </a:xfrm>
+          <a:prstGeom prst="rect">
+            <a:avLst/>
+          </a:prstGeom>
+        </p:spPr>
+      </p:pic>
+    </p:spTree>
+    <p:extLst>
+      <p:ext uri="{BB962C8B-B14F-4D97-AF65-F5344CB8AC3E}">
+        <p14:creationId xmlns:p14="http://schemas.microsoft.com/office/powerpoint/2010/main" val="1730262586"/>
+      </p:ext>
+    </p:extLst>
+  </p:cSld>
+  <p:clrMapOvr>
+    <a:masterClrMapping/>
+  </p:clrMapOvr>
+</p:sld>
+</file>
+
+<file path=ppt/slides/slide15.xml><?xml version="1.0" encoding="utf-8"?>
+<p:sld xmlns:a="http://schemas.openxmlformats.org/drawingml/2006/main" xmlns:r="http://schemas.openxmlformats.org/officeDocument/2006/relationships" xmlns:p="http://schemas.openxmlformats.org/presentationml/2006/main">
+  <p:cSld>
+    <p:spTree>
+      <p:nvGrpSpPr>
         <p:cNvPr id="1" name=""/>
         <p:cNvGrpSpPr/>
         <p:nvPr/>
@@ -14951,7 +19862,7 @@
             <a:fld id="{B3001740-FA51-4383-A84C-3DA006D12C29}" type="slidenum">
               <a:rPr lang="ja-JP" altLang="en-US" smtClean="0"/>
               <a:pPr/>
-              <a:t>13</a:t>
+              <a:t>15</a:t>
             </a:fld>
             <a:endParaRPr lang="ja-JP" altLang="en-US" dirty="0"/>
           </a:p>
